--- a/K8s Exercise workshop.pptx
+++ b/K8s Exercise workshop.pptx
@@ -22,6 +22,7 @@
     <p:sldId id="267" r:id="rId16"/>
     <p:sldId id="268" r:id="rId17"/>
     <p:sldId id="269" r:id="rId18"/>
+    <p:sldId id="270" r:id="rId19"/>
   </p:sldIdLst>
   <p:sldSz cy="6858000" cx="12192000"/>
   <p:notesSz cx="6858000" cy="9144000"/>
@@ -256,7 +257,7 @@
   </p:defaultTextStyle>
   <p:extLst>
     <p:ext uri="http://customooxmlschemas.google.com/">
-      <go:slidesCustomData xmlns:go="http://customooxmlschemas.google.com/" r:id="rId19" roundtripDataSignature="AMtx7mgzhc1cD25vVic3eRUsy30BCdAjng=="/>
+      <go:slidesCustomData xmlns:go="http://customooxmlschemas.google.com/" r:id="rId20" roundtripDataSignature="AMtx7mjr+lHkJaNZv5P72GWS7tJ8SYQOdA=="/>
     </p:ext>
   </p:extLst>
 </p:presentation>
@@ -1534,7 +1535,7 @@
   <p:cSld>
     <p:spTree>
       <p:nvGrpSpPr>
-        <p:cNvPr id="120" name="Shape 120"/>
+        <p:cNvPr id="119" name="Shape 119"/>
         <p:cNvGrpSpPr/>
         <p:nvPr/>
       </p:nvGrpSpPr>
@@ -1548,7 +1549,106 @@
       </p:grpSpPr>
       <p:sp>
         <p:nvSpPr>
-          <p:cNvPr id="121" name="Google Shape;121;g121a7a1b8b7_2_12:notes"/>
+          <p:cNvPr id="120" name="Google Shape;120;p17:notes"/>
+          <p:cNvSpPr txBox="1"/>
+          <p:nvPr>
+            <p:ph idx="1" type="body"/>
+          </p:nvPr>
+        </p:nvSpPr>
+        <p:spPr>
+          <a:xfrm>
+            <a:off x="685800" y="4400550"/>
+            <a:ext cx="5486400" cy="3600450"/>
+          </a:xfrm>
+          <a:prstGeom prst="rect">
+            <a:avLst/>
+          </a:prstGeom>
+        </p:spPr>
+        <p:txBody>
+          <a:bodyPr anchorCtr="0" anchor="t" bIns="45700" lIns="91425" spcFirstLastPara="1" rIns="91425" wrap="square" tIns="45700">
+            <a:noAutofit/>
+          </a:bodyPr>
+          <a:lstStyle/>
+          <a:p>
+            <a:pPr indent="0" lvl="0" marL="0" rtl="0" algn="l">
+              <a:spcBef>
+                <a:spcPts val="0"/>
+              </a:spcBef>
+              <a:spcAft>
+                <a:spcPts val="0"/>
+              </a:spcAft>
+              <a:buNone/>
+            </a:pPr>
+            <a:r>
+              <a:t/>
+            </a:r>
+            <a:endParaRPr/>
+          </a:p>
+        </p:txBody>
+      </p:sp>
+      <p:sp>
+        <p:nvSpPr>
+          <p:cNvPr id="121" name="Google Shape;121;p17:notes"/>
+          <p:cNvSpPr/>
+          <p:nvPr>
+            <p:ph idx="2" type="sldImg"/>
+          </p:nvPr>
+        </p:nvSpPr>
+        <p:spPr>
+          <a:xfrm>
+            <a:off x="685800" y="1143000"/>
+            <a:ext cx="5486400" cy="3086100"/>
+          </a:xfrm>
+          <a:custGeom>
+            <a:rect b="b" l="l" r="r" t="t"/>
+            <a:pathLst>
+              <a:path extrusionOk="0" h="120000" w="120000">
+                <a:moveTo>
+                  <a:pt x="0" y="0"/>
+                </a:moveTo>
+                <a:lnTo>
+                  <a:pt x="120000" y="0"/>
+                </a:lnTo>
+                <a:lnTo>
+                  <a:pt x="120000" y="120000"/>
+                </a:lnTo>
+                <a:lnTo>
+                  <a:pt x="0" y="120000"/>
+                </a:lnTo>
+                <a:close/>
+              </a:path>
+            </a:pathLst>
+          </a:custGeom>
+        </p:spPr>
+      </p:sp>
+    </p:spTree>
+  </p:cSld>
+  <p:clrMapOvr>
+    <a:masterClrMapping/>
+  </p:clrMapOvr>
+</p:notes>
+</file>
+
+<file path=ppt/notesSlides/notesSlide11.xml><?xml version="1.0" encoding="utf-8"?>
+<p:notes xmlns:a="http://schemas.openxmlformats.org/drawingml/2006/main" xmlns:r="http://schemas.openxmlformats.org/officeDocument/2006/relationships" xmlns:mc="http://schemas.openxmlformats.org/markup-compatibility/2006" xmlns:mv="urn:schemas-microsoft-com:mac:vml" xmlns:p="http://schemas.openxmlformats.org/presentationml/2006/main" xmlns:c="http://schemas.openxmlformats.org/drawingml/2006/chart" xmlns:dgm="http://schemas.openxmlformats.org/drawingml/2006/diagram" xmlns:o="urn:schemas-microsoft-com:office:office" xmlns:v="urn:schemas-microsoft-com:vml" xmlns:pvml="urn:schemas-microsoft-com:office:powerpoint" xmlns:com="http://schemas.openxmlformats.org/drawingml/2006/compatibility" xmlns:p14="http://schemas.microsoft.com/office/powerpoint/2010/main" xmlns:p15="http://schemas.microsoft.com/office/powerpoint/2012/main" xmlns:ahyp="http://schemas.microsoft.com/office/drawing/2018/hyperlinkcolor" showMasterPhAnim="0" showMasterSp="0">
+  <p:cSld>
+    <p:spTree>
+      <p:nvGrpSpPr>
+        <p:cNvPr id="127" name="Shape 127"/>
+        <p:cNvGrpSpPr/>
+        <p:nvPr/>
+      </p:nvGrpSpPr>
+      <p:grpSpPr>
+        <a:xfrm>
+          <a:off x="0" y="0"/>
+          <a:ext cx="0" cy="0"/>
+          <a:chOff x="0" y="0"/>
+          <a:chExt cx="0" cy="0"/>
+        </a:xfrm>
+      </p:grpSpPr>
+      <p:sp>
+        <p:nvSpPr>
+          <p:cNvPr id="128" name="Google Shape;128;g121a7a1b8b7_2_12:notes"/>
           <p:cNvSpPr/>
           <p:nvPr>
             <p:ph idx="2" type="sldImg"/>
@@ -1583,7 +1683,7 @@
       </p:sp>
       <p:sp>
         <p:nvSpPr>
-          <p:cNvPr id="122" name="Google Shape;122;g121a7a1b8b7_2_12:notes"/>
+          <p:cNvPr id="129" name="Google Shape;129;g121a7a1b8b7_2_12:notes"/>
           <p:cNvSpPr txBox="1"/>
           <p:nvPr>
             <p:ph idx="1" type="body"/>
@@ -1622,7 +1722,7 @@
       </p:sp>
       <p:sp>
         <p:nvSpPr>
-          <p:cNvPr id="123" name="Google Shape;123;g121a7a1b8b7_2_12:notes"/>
+          <p:cNvPr id="130" name="Google Shape;130;g121a7a1b8b7_2_12:notes"/>
           <p:cNvSpPr txBox="1"/>
           <p:nvPr>
             <p:ph idx="12" type="sldNum"/>
@@ -1672,12 +1772,12 @@
 </p:notes>
 </file>
 
-<file path=ppt/notesSlides/notesSlide11.xml><?xml version="1.0" encoding="utf-8"?>
+<file path=ppt/notesSlides/notesSlide12.xml><?xml version="1.0" encoding="utf-8"?>
 <p:notes xmlns:a="http://schemas.openxmlformats.org/drawingml/2006/main" xmlns:r="http://schemas.openxmlformats.org/officeDocument/2006/relationships" xmlns:mc="http://schemas.openxmlformats.org/markup-compatibility/2006" xmlns:mv="urn:schemas-microsoft-com:mac:vml" xmlns:p="http://schemas.openxmlformats.org/presentationml/2006/main" xmlns:c="http://schemas.openxmlformats.org/drawingml/2006/chart" xmlns:dgm="http://schemas.openxmlformats.org/drawingml/2006/diagram" xmlns:o="urn:schemas-microsoft-com:office:office" xmlns:v="urn:schemas-microsoft-com:vml" xmlns:pvml="urn:schemas-microsoft-com:office:powerpoint" xmlns:com="http://schemas.openxmlformats.org/drawingml/2006/compatibility" xmlns:p14="http://schemas.microsoft.com/office/powerpoint/2010/main" xmlns:p15="http://schemas.microsoft.com/office/powerpoint/2012/main" xmlns:ahyp="http://schemas.microsoft.com/office/drawing/2018/hyperlinkcolor" showMasterPhAnim="0" showMasterSp="0">
   <p:cSld>
     <p:spTree>
       <p:nvGrpSpPr>
-        <p:cNvPr id="129" name="Shape 129"/>
+        <p:cNvPr id="136" name="Shape 136"/>
         <p:cNvGrpSpPr/>
         <p:nvPr/>
       </p:nvGrpSpPr>
@@ -1691,7 +1791,7 @@
       </p:grpSpPr>
       <p:sp>
         <p:nvSpPr>
-          <p:cNvPr id="130" name="Google Shape;130;g121a7a1b8b7_2_18:notes"/>
+          <p:cNvPr id="137" name="Google Shape;137;g121a7a1b8b7_2_18:notes"/>
           <p:cNvSpPr/>
           <p:nvPr>
             <p:ph idx="2" type="sldImg"/>
@@ -1726,7 +1826,7 @@
       </p:sp>
       <p:sp>
         <p:nvSpPr>
-          <p:cNvPr id="131" name="Google Shape;131;g121a7a1b8b7_2_18:notes"/>
+          <p:cNvPr id="138" name="Google Shape;138;g121a7a1b8b7_2_18:notes"/>
           <p:cNvSpPr txBox="1"/>
           <p:nvPr>
             <p:ph idx="1" type="body"/>
@@ -1765,7 +1865,7 @@
       </p:sp>
       <p:sp>
         <p:nvSpPr>
-          <p:cNvPr id="132" name="Google Shape;132;g121a7a1b8b7_2_18:notes"/>
+          <p:cNvPr id="139" name="Google Shape;139;g121a7a1b8b7_2_18:notes"/>
           <p:cNvSpPr txBox="1"/>
           <p:nvPr>
             <p:ph idx="12" type="sldNum"/>
@@ -1815,12 +1915,12 @@
 </p:notes>
 </file>
 
-<file path=ppt/notesSlides/notesSlide12.xml><?xml version="1.0" encoding="utf-8"?>
+<file path=ppt/notesSlides/notesSlide13.xml><?xml version="1.0" encoding="utf-8"?>
 <p:notes xmlns:a="http://schemas.openxmlformats.org/drawingml/2006/main" xmlns:r="http://schemas.openxmlformats.org/officeDocument/2006/relationships" xmlns:mc="http://schemas.openxmlformats.org/markup-compatibility/2006" xmlns:mv="urn:schemas-microsoft-com:mac:vml" xmlns:p="http://schemas.openxmlformats.org/presentationml/2006/main" xmlns:c="http://schemas.openxmlformats.org/drawingml/2006/chart" xmlns:dgm="http://schemas.openxmlformats.org/drawingml/2006/diagram" xmlns:o="urn:schemas-microsoft-com:office:office" xmlns:v="urn:schemas-microsoft-com:vml" xmlns:pvml="urn:schemas-microsoft-com:office:powerpoint" xmlns:com="http://schemas.openxmlformats.org/drawingml/2006/compatibility" xmlns:p14="http://schemas.microsoft.com/office/powerpoint/2010/main" xmlns:p15="http://schemas.microsoft.com/office/powerpoint/2012/main" xmlns:ahyp="http://schemas.microsoft.com/office/drawing/2018/hyperlinkcolor" showMasterPhAnim="0" showMasterSp="0">
   <p:cSld>
     <p:spTree>
       <p:nvGrpSpPr>
-        <p:cNvPr id="137" name="Shape 137"/>
+        <p:cNvPr id="144" name="Shape 144"/>
         <p:cNvGrpSpPr/>
         <p:nvPr/>
       </p:nvGrpSpPr>
@@ -1834,7 +1934,7 @@
       </p:grpSpPr>
       <p:sp>
         <p:nvSpPr>
-          <p:cNvPr id="138" name="Google Shape;138;g121a7a1b8b7_2_46:notes"/>
+          <p:cNvPr id="145" name="Google Shape;145;g121a7a1b8b7_2_46:notes"/>
           <p:cNvSpPr/>
           <p:nvPr>
             <p:ph idx="2" type="sldImg"/>
@@ -1869,7 +1969,7 @@
       </p:sp>
       <p:sp>
         <p:nvSpPr>
-          <p:cNvPr id="139" name="Google Shape;139;g121a7a1b8b7_2_46:notes"/>
+          <p:cNvPr id="146" name="Google Shape;146;g121a7a1b8b7_2_46:notes"/>
           <p:cNvSpPr txBox="1"/>
           <p:nvPr>
             <p:ph idx="1" type="body"/>
@@ -1908,7 +2008,7 @@
       </p:sp>
       <p:sp>
         <p:nvSpPr>
-          <p:cNvPr id="140" name="Google Shape;140;g121a7a1b8b7_2_46:notes"/>
+          <p:cNvPr id="147" name="Google Shape;147;g121a7a1b8b7_2_46:notes"/>
           <p:cNvSpPr txBox="1"/>
           <p:nvPr>
             <p:ph idx="12" type="sldNum"/>
@@ -1958,12 +2058,12 @@
 </p:notes>
 </file>
 
-<file path=ppt/notesSlides/notesSlide13.xml><?xml version="1.0" encoding="utf-8"?>
+<file path=ppt/notesSlides/notesSlide14.xml><?xml version="1.0" encoding="utf-8"?>
 <p:notes xmlns:a="http://schemas.openxmlformats.org/drawingml/2006/main" xmlns:r="http://schemas.openxmlformats.org/officeDocument/2006/relationships" xmlns:mc="http://schemas.openxmlformats.org/markup-compatibility/2006" xmlns:mv="urn:schemas-microsoft-com:mac:vml" xmlns:p="http://schemas.openxmlformats.org/presentationml/2006/main" xmlns:c="http://schemas.openxmlformats.org/drawingml/2006/chart" xmlns:dgm="http://schemas.openxmlformats.org/drawingml/2006/diagram" xmlns:o="urn:schemas-microsoft-com:office:office" xmlns:v="urn:schemas-microsoft-com:vml" xmlns:pvml="urn:schemas-microsoft-com:office:powerpoint" xmlns:com="http://schemas.openxmlformats.org/drawingml/2006/compatibility" xmlns:p14="http://schemas.microsoft.com/office/powerpoint/2010/main" xmlns:p15="http://schemas.microsoft.com/office/powerpoint/2012/main" xmlns:ahyp="http://schemas.microsoft.com/office/drawing/2018/hyperlinkcolor" showMasterPhAnim="0" showMasterSp="0">
   <p:cSld>
     <p:spTree>
       <p:nvGrpSpPr>
-        <p:cNvPr id="145" name="Shape 145"/>
+        <p:cNvPr id="152" name="Shape 152"/>
         <p:cNvGrpSpPr/>
         <p:nvPr/>
       </p:nvGrpSpPr>
@@ -1977,7 +2077,7 @@
       </p:grpSpPr>
       <p:sp>
         <p:nvSpPr>
-          <p:cNvPr id="146" name="Google Shape;146;g121a7a1b8b7_2_67:notes"/>
+          <p:cNvPr id="153" name="Google Shape;153;g121a7a1b8b7_2_67:notes"/>
           <p:cNvSpPr/>
           <p:nvPr>
             <p:ph idx="2" type="sldImg"/>
@@ -2012,7 +2112,7 @@
       </p:sp>
       <p:sp>
         <p:nvSpPr>
-          <p:cNvPr id="147" name="Google Shape;147;g121a7a1b8b7_2_67:notes"/>
+          <p:cNvPr id="154" name="Google Shape;154;g121a7a1b8b7_2_67:notes"/>
           <p:cNvSpPr txBox="1"/>
           <p:nvPr>
             <p:ph idx="1" type="body"/>
@@ -2051,7 +2151,7 @@
       </p:sp>
       <p:sp>
         <p:nvSpPr>
-          <p:cNvPr id="148" name="Google Shape;148;g121a7a1b8b7_2_67:notes"/>
+          <p:cNvPr id="155" name="Google Shape;155;g121a7a1b8b7_2_67:notes"/>
           <p:cNvSpPr txBox="1"/>
           <p:nvPr>
             <p:ph idx="12" type="sldNum"/>
@@ -2101,12 +2201,12 @@
 </p:notes>
 </file>
 
-<file path=ppt/notesSlides/notesSlide14.xml><?xml version="1.0" encoding="utf-8"?>
+<file path=ppt/notesSlides/notesSlide15.xml><?xml version="1.0" encoding="utf-8"?>
 <p:notes xmlns:a="http://schemas.openxmlformats.org/drawingml/2006/main" xmlns:r="http://schemas.openxmlformats.org/officeDocument/2006/relationships" xmlns:mc="http://schemas.openxmlformats.org/markup-compatibility/2006" xmlns:mv="urn:schemas-microsoft-com:mac:vml" xmlns:p="http://schemas.openxmlformats.org/presentationml/2006/main" xmlns:c="http://schemas.openxmlformats.org/drawingml/2006/chart" xmlns:dgm="http://schemas.openxmlformats.org/drawingml/2006/diagram" xmlns:o="urn:schemas-microsoft-com:office:office" xmlns:v="urn:schemas-microsoft-com:vml" xmlns:pvml="urn:schemas-microsoft-com:office:powerpoint" xmlns:com="http://schemas.openxmlformats.org/drawingml/2006/compatibility" xmlns:p14="http://schemas.microsoft.com/office/powerpoint/2010/main" xmlns:p15="http://schemas.microsoft.com/office/powerpoint/2012/main" xmlns:ahyp="http://schemas.microsoft.com/office/drawing/2018/hyperlinkcolor" showMasterPhAnim="0" showMasterSp="0">
   <p:cSld>
     <p:spTree>
       <p:nvGrpSpPr>
-        <p:cNvPr id="154" name="Shape 154"/>
+        <p:cNvPr id="161" name="Shape 161"/>
         <p:cNvGrpSpPr/>
         <p:nvPr/>
       </p:nvGrpSpPr>
@@ -2120,7 +2220,7 @@
       </p:grpSpPr>
       <p:sp>
         <p:nvSpPr>
-          <p:cNvPr id="155" name="Google Shape;155;p33:notes"/>
+          <p:cNvPr id="162" name="Google Shape;162;p33:notes"/>
           <p:cNvSpPr txBox="1"/>
           <p:nvPr>
             <p:ph idx="1" type="body"/>
@@ -2159,7 +2259,7 @@
       </p:sp>
       <p:sp>
         <p:nvSpPr>
-          <p:cNvPr id="156" name="Google Shape;156;p33:notes"/>
+          <p:cNvPr id="163" name="Google Shape;163;p33:notes"/>
           <p:cNvSpPr/>
           <p:nvPr>
             <p:ph idx="2" type="sldImg"/>
@@ -2655,7 +2755,7 @@
       </p:grpSpPr>
       <p:sp>
         <p:nvSpPr>
-          <p:cNvPr id="82" name="Google Shape;82;g121a7a1b8b7_2_28:notes"/>
+          <p:cNvPr id="82" name="Google Shape;82;g121b8ad41eb_0_0:notes"/>
           <p:cNvSpPr/>
           <p:nvPr>
             <p:ph idx="2" type="sldImg"/>
@@ -2690,7 +2790,7 @@
       </p:sp>
       <p:sp>
         <p:nvSpPr>
-          <p:cNvPr id="83" name="Google Shape;83;g121a7a1b8b7_2_28:notes"/>
+          <p:cNvPr id="83" name="Google Shape;83;g121b8ad41eb_0_0:notes"/>
           <p:cNvSpPr txBox="1"/>
           <p:nvPr>
             <p:ph idx="1" type="body"/>
@@ -2729,7 +2829,7 @@
       </p:sp>
       <p:sp>
         <p:nvSpPr>
-          <p:cNvPr id="84" name="Google Shape;84;g121a7a1b8b7_2_28:notes"/>
+          <p:cNvPr id="84" name="Google Shape;84;g121b8ad41eb_0_0:notes"/>
           <p:cNvSpPr txBox="1"/>
           <p:nvPr>
             <p:ph idx="12" type="sldNum"/>
@@ -2798,7 +2898,150 @@
       </p:grpSpPr>
       <p:sp>
         <p:nvSpPr>
-          <p:cNvPr id="89" name="Google Shape;89;p31:notes"/>
+          <p:cNvPr id="89" name="Google Shape;89;g121a7a1b8b7_2_28:notes"/>
+          <p:cNvSpPr/>
+          <p:nvPr>
+            <p:ph idx="2" type="sldImg"/>
+          </p:nvPr>
+        </p:nvSpPr>
+        <p:spPr>
+          <a:xfrm>
+            <a:off x="685800" y="1143000"/>
+            <a:ext cx="5486400" cy="3086100"/>
+          </a:xfrm>
+          <a:custGeom>
+            <a:rect b="b" l="l" r="r" t="t"/>
+            <a:pathLst>
+              <a:path extrusionOk="0" h="120000" w="120000">
+                <a:moveTo>
+                  <a:pt x="0" y="0"/>
+                </a:moveTo>
+                <a:lnTo>
+                  <a:pt x="120000" y="0"/>
+                </a:lnTo>
+                <a:lnTo>
+                  <a:pt x="120000" y="120000"/>
+                </a:lnTo>
+                <a:lnTo>
+                  <a:pt x="0" y="120000"/>
+                </a:lnTo>
+                <a:close/>
+              </a:path>
+            </a:pathLst>
+          </a:custGeom>
+        </p:spPr>
+      </p:sp>
+      <p:sp>
+        <p:nvSpPr>
+          <p:cNvPr id="90" name="Google Shape;90;g121a7a1b8b7_2_28:notes"/>
+          <p:cNvSpPr txBox="1"/>
+          <p:nvPr>
+            <p:ph idx="1" type="body"/>
+          </p:nvPr>
+        </p:nvSpPr>
+        <p:spPr>
+          <a:xfrm>
+            <a:off x="685800" y="4400550"/>
+            <a:ext cx="5486400" cy="3600600"/>
+          </a:xfrm>
+          <a:prstGeom prst="rect">
+            <a:avLst/>
+          </a:prstGeom>
+        </p:spPr>
+        <p:txBody>
+          <a:bodyPr anchorCtr="0" anchor="t" bIns="45700" lIns="91425" spcFirstLastPara="1" rIns="91425" wrap="square" tIns="45700">
+            <a:noAutofit/>
+          </a:bodyPr>
+          <a:lstStyle/>
+          <a:p>
+            <a:pPr indent="0" lvl="0" marL="0" rtl="0" algn="l">
+              <a:spcBef>
+                <a:spcPts val="0"/>
+              </a:spcBef>
+              <a:spcAft>
+                <a:spcPts val="0"/>
+              </a:spcAft>
+              <a:buNone/>
+            </a:pPr>
+            <a:r>
+              <a:t/>
+            </a:r>
+            <a:endParaRPr/>
+          </a:p>
+        </p:txBody>
+      </p:sp>
+      <p:sp>
+        <p:nvSpPr>
+          <p:cNvPr id="91" name="Google Shape;91;g121a7a1b8b7_2_28:notes"/>
+          <p:cNvSpPr txBox="1"/>
+          <p:nvPr>
+            <p:ph idx="12" type="sldNum"/>
+          </p:nvPr>
+        </p:nvSpPr>
+        <p:spPr>
+          <a:xfrm>
+            <a:off x="3884613" y="8685213"/>
+            <a:ext cx="2971800" cy="458700"/>
+          </a:xfrm>
+          <a:prstGeom prst="rect">
+            <a:avLst/>
+          </a:prstGeom>
+        </p:spPr>
+        <p:txBody>
+          <a:bodyPr anchorCtr="0" anchor="b" bIns="45700" lIns="91425" spcFirstLastPara="1" rIns="91425" wrap="square" tIns="45700">
+            <a:noAutofit/>
+          </a:bodyPr>
+          <a:lstStyle/>
+          <a:p>
+            <a:pPr indent="0" lvl="0" marL="0" rtl="0" algn="r">
+              <a:spcBef>
+                <a:spcPts val="0"/>
+              </a:spcBef>
+              <a:spcAft>
+                <a:spcPts val="0"/>
+              </a:spcAft>
+              <a:buClr>
+                <a:srgbClr val="000000"/>
+              </a:buClr>
+              <a:buFont typeface="Arial"/>
+              <a:buNone/>
+            </a:pPr>
+            <a:fld id="{00000000-1234-1234-1234-123412341234}" type="slidenum">
+              <a:rPr lang="en-US"/>
+              <a:t>‹#›</a:t>
+            </a:fld>
+            <a:endParaRPr/>
+          </a:p>
+        </p:txBody>
+      </p:sp>
+    </p:spTree>
+  </p:cSld>
+  <p:clrMapOvr>
+    <a:masterClrMapping/>
+  </p:clrMapOvr>
+</p:notes>
+</file>
+
+<file path=ppt/notesSlides/notesSlide7.xml><?xml version="1.0" encoding="utf-8"?>
+<p:notes xmlns:a="http://schemas.openxmlformats.org/drawingml/2006/main" xmlns:r="http://schemas.openxmlformats.org/officeDocument/2006/relationships" xmlns:mc="http://schemas.openxmlformats.org/markup-compatibility/2006" xmlns:mv="urn:schemas-microsoft-com:mac:vml" xmlns:p="http://schemas.openxmlformats.org/presentationml/2006/main" xmlns:c="http://schemas.openxmlformats.org/drawingml/2006/chart" xmlns:dgm="http://schemas.openxmlformats.org/drawingml/2006/diagram" xmlns:o="urn:schemas-microsoft-com:office:office" xmlns:v="urn:schemas-microsoft-com:vml" xmlns:pvml="urn:schemas-microsoft-com:office:powerpoint" xmlns:com="http://schemas.openxmlformats.org/drawingml/2006/compatibility" xmlns:p14="http://schemas.microsoft.com/office/powerpoint/2010/main" xmlns:p15="http://schemas.microsoft.com/office/powerpoint/2012/main" xmlns:ahyp="http://schemas.microsoft.com/office/drawing/2018/hyperlinkcolor" showMasterPhAnim="0" showMasterSp="0">
+  <p:cSld>
+    <p:spTree>
+      <p:nvGrpSpPr>
+        <p:cNvPr id="95" name="Shape 95"/>
+        <p:cNvGrpSpPr/>
+        <p:nvPr/>
+      </p:nvGrpSpPr>
+      <p:grpSpPr>
+        <a:xfrm>
+          <a:off x="0" y="0"/>
+          <a:ext cx="0" cy="0"/>
+          <a:chOff x="0" y="0"/>
+          <a:chExt cx="0" cy="0"/>
+        </a:xfrm>
+      </p:grpSpPr>
+      <p:sp>
+        <p:nvSpPr>
+          <p:cNvPr id="96" name="Google Shape;96;p31:notes"/>
           <p:cNvSpPr/>
           <p:nvPr>
             <p:ph idx="2" type="sldImg"/>
@@ -2843,7 +3086,7 @@
       </p:sp>
       <p:sp>
         <p:nvSpPr>
-          <p:cNvPr id="90" name="Google Shape;90;p31:notes"/>
+          <p:cNvPr id="97" name="Google Shape;97;p31:notes"/>
           <p:cNvSpPr txBox="1"/>
           <p:nvPr>
             <p:ph idx="1" type="body"/>
@@ -2910,7 +3153,7 @@
       </p:sp>
       <p:sp>
         <p:nvSpPr>
-          <p:cNvPr id="91" name="Google Shape;91;p31:notes"/>
+          <p:cNvPr id="98" name="Google Shape;98;p31:notes"/>
           <p:cNvSpPr txBox="1"/>
           <p:nvPr>
             <p:ph idx="12" type="sldNum"/>
@@ -2951,105 +3194,6 @@
             <a:endParaRPr/>
           </a:p>
         </p:txBody>
-      </p:sp>
-    </p:spTree>
-  </p:cSld>
-  <p:clrMapOvr>
-    <a:masterClrMapping/>
-  </p:clrMapOvr>
-</p:notes>
-</file>
-
-<file path=ppt/notesSlides/notesSlide7.xml><?xml version="1.0" encoding="utf-8"?>
-<p:notes xmlns:a="http://schemas.openxmlformats.org/drawingml/2006/main" xmlns:r="http://schemas.openxmlformats.org/officeDocument/2006/relationships" xmlns:mc="http://schemas.openxmlformats.org/markup-compatibility/2006" xmlns:mv="urn:schemas-microsoft-com:mac:vml" xmlns:p="http://schemas.openxmlformats.org/presentationml/2006/main" xmlns:c="http://schemas.openxmlformats.org/drawingml/2006/chart" xmlns:dgm="http://schemas.openxmlformats.org/drawingml/2006/diagram" xmlns:o="urn:schemas-microsoft-com:office:office" xmlns:v="urn:schemas-microsoft-com:vml" xmlns:pvml="urn:schemas-microsoft-com:office:powerpoint" xmlns:com="http://schemas.openxmlformats.org/drawingml/2006/compatibility" xmlns:p14="http://schemas.microsoft.com/office/powerpoint/2010/main" xmlns:p15="http://schemas.microsoft.com/office/powerpoint/2012/main" xmlns:ahyp="http://schemas.microsoft.com/office/drawing/2018/hyperlinkcolor" showMasterPhAnim="0" showMasterSp="0">
-  <p:cSld>
-    <p:spTree>
-      <p:nvGrpSpPr>
-        <p:cNvPr id="96" name="Shape 96"/>
-        <p:cNvGrpSpPr/>
-        <p:nvPr/>
-      </p:nvGrpSpPr>
-      <p:grpSpPr>
-        <a:xfrm>
-          <a:off x="0" y="0"/>
-          <a:ext cx="0" cy="0"/>
-          <a:chOff x="0" y="0"/>
-          <a:chExt cx="0" cy="0"/>
-        </a:xfrm>
-      </p:grpSpPr>
-      <p:sp>
-        <p:nvSpPr>
-          <p:cNvPr id="97" name="Google Shape;97;p28:notes"/>
-          <p:cNvSpPr txBox="1"/>
-          <p:nvPr>
-            <p:ph idx="1" type="body"/>
-          </p:nvPr>
-        </p:nvSpPr>
-        <p:spPr>
-          <a:xfrm>
-            <a:off x="685800" y="4400550"/>
-            <a:ext cx="5486400" cy="3600450"/>
-          </a:xfrm>
-          <a:prstGeom prst="rect">
-            <a:avLst/>
-          </a:prstGeom>
-        </p:spPr>
-        <p:txBody>
-          <a:bodyPr anchorCtr="0" anchor="t" bIns="45700" lIns="91425" spcFirstLastPara="1" rIns="91425" wrap="square" tIns="45700">
-            <a:noAutofit/>
-          </a:bodyPr>
-          <a:lstStyle/>
-          <a:p>
-            <a:pPr indent="0" lvl="0" marL="0" rtl="0" algn="l">
-              <a:spcBef>
-                <a:spcPts val="0"/>
-              </a:spcBef>
-              <a:spcAft>
-                <a:spcPts val="0"/>
-              </a:spcAft>
-              <a:buNone/>
-            </a:pPr>
-            <a:r>
-              <a:t/>
-            </a:r>
-            <a:endParaRPr/>
-          </a:p>
-        </p:txBody>
-      </p:sp>
-      <p:sp>
-        <p:nvSpPr>
-          <p:cNvPr id="98" name="Google Shape;98;p28:notes"/>
-          <p:cNvSpPr/>
-          <p:nvPr>
-            <p:ph idx="2" type="sldImg"/>
-          </p:nvPr>
-        </p:nvSpPr>
-        <p:spPr>
-          <a:xfrm>
-            <a:off x="685800" y="1143000"/>
-            <a:ext cx="5486400" cy="3086100"/>
-          </a:xfrm>
-          <a:custGeom>
-            <a:rect b="b" l="l" r="r" t="t"/>
-            <a:pathLst>
-              <a:path extrusionOk="0" h="120000" w="120000">
-                <a:moveTo>
-                  <a:pt x="0" y="0"/>
-                </a:moveTo>
-                <a:lnTo>
-                  <a:pt x="120000" y="0"/>
-                </a:lnTo>
-                <a:lnTo>
-                  <a:pt x="120000" y="120000"/>
-                </a:lnTo>
-                <a:lnTo>
-                  <a:pt x="0" y="120000"/>
-                </a:lnTo>
-                <a:close/>
-              </a:path>
-            </a:pathLst>
-          </a:custGeom>
-        </p:spPr>
       </p:sp>
     </p:spTree>
   </p:cSld>
@@ -3078,7 +3222,7 @@
       </p:grpSpPr>
       <p:sp>
         <p:nvSpPr>
-          <p:cNvPr id="104" name="Google Shape;104;p24:notes"/>
+          <p:cNvPr id="104" name="Google Shape;104;p28:notes"/>
           <p:cNvSpPr txBox="1"/>
           <p:nvPr>
             <p:ph idx="1" type="body"/>
@@ -3117,7 +3261,7 @@
       </p:sp>
       <p:sp>
         <p:nvSpPr>
-          <p:cNvPr id="105" name="Google Shape;105;p24:notes"/>
+          <p:cNvPr id="105" name="Google Shape;105;p28:notes"/>
           <p:cNvSpPr/>
           <p:nvPr>
             <p:ph idx="2" type="sldImg"/>
@@ -3163,7 +3307,7 @@
   <p:cSld>
     <p:spTree>
       <p:nvGrpSpPr>
-        <p:cNvPr id="112" name="Shape 112"/>
+        <p:cNvPr id="110" name="Shape 110"/>
         <p:cNvGrpSpPr/>
         <p:nvPr/>
       </p:nvGrpSpPr>
@@ -3177,7 +3321,7 @@
       </p:grpSpPr>
       <p:sp>
         <p:nvSpPr>
-          <p:cNvPr id="113" name="Google Shape;113;p17:notes"/>
+          <p:cNvPr id="111" name="Google Shape;111;p24:notes"/>
           <p:cNvSpPr txBox="1"/>
           <p:nvPr>
             <p:ph idx="1" type="body"/>
@@ -3216,7 +3360,7 @@
       </p:sp>
       <p:sp>
         <p:nvSpPr>
-          <p:cNvPr id="114" name="Google Shape;114;p17:notes"/>
+          <p:cNvPr id="112" name="Google Shape;112;p24:notes"/>
           <p:cNvSpPr/>
           <p:nvPr>
             <p:ph idx="2" type="sldImg"/>
@@ -8733,7 +8877,7 @@
   <p:cSld>
     <p:spTree>
       <p:nvGrpSpPr>
-        <p:cNvPr id="124" name="Shape 124"/>
+        <p:cNvPr id="122" name="Shape 122"/>
         <p:cNvGrpSpPr/>
         <p:nvPr/>
       </p:nvGrpSpPr>
@@ -8747,7 +8891,737 @@
       </p:grpSpPr>
       <p:sp>
         <p:nvSpPr>
-          <p:cNvPr id="125" name="Google Shape;125;g121a7a1b8b7_2_12"/>
+          <p:cNvPr id="123" name="Google Shape;123;p17"/>
+          <p:cNvSpPr txBox="1"/>
+          <p:nvPr>
+            <p:ph type="title"/>
+          </p:nvPr>
+        </p:nvSpPr>
+        <p:spPr>
+          <a:xfrm>
+            <a:off x="2186247" y="328613"/>
+            <a:ext cx="9669691" cy="723900"/>
+          </a:xfrm>
+          <a:prstGeom prst="rect">
+            <a:avLst/>
+          </a:prstGeom>
+          <a:noFill/>
+          <a:ln>
+            <a:noFill/>
+          </a:ln>
+        </p:spPr>
+        <p:txBody>
+          <a:bodyPr anchorCtr="0" anchor="t" bIns="45700" lIns="91425" spcFirstLastPara="1" rIns="91425" wrap="square" tIns="45700">
+            <a:noAutofit/>
+          </a:bodyPr>
+          <a:lstStyle/>
+          <a:p>
+            <a:pPr indent="0" lvl="0" marL="0" rtl="0" algn="l">
+              <a:spcBef>
+                <a:spcPts val="0"/>
+              </a:spcBef>
+              <a:spcAft>
+                <a:spcPts val="0"/>
+              </a:spcAft>
+              <a:buNone/>
+            </a:pPr>
+            <a:r>
+              <a:rPr lang="en-US"/>
+              <a:t>Pod</a:t>
+            </a:r>
+            <a:endParaRPr/>
+          </a:p>
+        </p:txBody>
+      </p:sp>
+      <p:pic>
+        <p:nvPicPr>
+          <p:cNvPr descr="Graphical user interface, application&#10;&#10;Description automatically generated" id="124" name="Google Shape;124;p17"/>
+          <p:cNvPicPr preferRelativeResize="0"/>
+          <p:nvPr>
+            <p:ph idx="1" type="body"/>
+          </p:nvPr>
+        </p:nvPicPr>
+        <p:blipFill rotWithShape="1">
+          <a:blip r:embed="rId3">
+            <a:alphaModFix/>
+          </a:blip>
+          <a:srcRect b="0" l="0" r="0" t="0"/>
+          <a:stretch/>
+        </p:blipFill>
+        <p:spPr>
+          <a:xfrm>
+            <a:off x="2065574" y="2848510"/>
+            <a:ext cx="9605078" cy="4517159"/>
+          </a:xfrm>
+          <a:prstGeom prst="rect">
+            <a:avLst/>
+          </a:prstGeom>
+          <a:noFill/>
+          <a:ln>
+            <a:noFill/>
+          </a:ln>
+        </p:spPr>
+      </p:pic>
+      <p:sp>
+        <p:nvSpPr>
+          <p:cNvPr id="125" name="Google Shape;125;p17"/>
+          <p:cNvSpPr txBox="1"/>
+          <p:nvPr/>
+        </p:nvSpPr>
+        <p:spPr>
+          <a:xfrm>
+            <a:off x="816316" y="1309276"/>
+            <a:ext cx="8306577" cy="2616101"/>
+          </a:xfrm>
+          <a:prstGeom prst="rect">
+            <a:avLst/>
+          </a:prstGeom>
+          <a:noFill/>
+          <a:ln>
+            <a:noFill/>
+          </a:ln>
+        </p:spPr>
+        <p:txBody>
+          <a:bodyPr anchorCtr="0" anchor="t" bIns="45700" lIns="91425" spcFirstLastPara="1" rIns="91425" wrap="square" tIns="45700">
+            <a:spAutoFit/>
+          </a:bodyPr>
+          <a:lstStyle/>
+          <a:p>
+            <a:pPr indent="-285750" lvl="0" marL="285750" marR="0" rtl="0" algn="l">
+              <a:spcBef>
+                <a:spcPts val="0"/>
+              </a:spcBef>
+              <a:spcAft>
+                <a:spcPts val="0"/>
+              </a:spcAft>
+              <a:buClr>
+                <a:srgbClr val="003399"/>
+              </a:buClr>
+              <a:buSzPts val="1600"/>
+              <a:buFont typeface="Arial"/>
+              <a:buChar char="•"/>
+            </a:pPr>
+            <a:r>
+              <a:rPr b="1" lang="en-US" sz="1600">
+                <a:solidFill>
+                  <a:srgbClr val="003399"/>
+                </a:solidFill>
+                <a:latin typeface="Calibri"/>
+                <a:ea typeface="Calibri"/>
+                <a:cs typeface="Calibri"/>
+                <a:sym typeface="Calibri"/>
+              </a:rPr>
+              <a:t>Smallest unit that can be deployed in Kubernetes</a:t>
+            </a:r>
+            <a:endParaRPr/>
+          </a:p>
+          <a:p>
+            <a:pPr indent="-184150" lvl="0" marL="285750" marR="0" rtl="0" algn="l">
+              <a:spcBef>
+                <a:spcPts val="0"/>
+              </a:spcBef>
+              <a:spcAft>
+                <a:spcPts val="0"/>
+              </a:spcAft>
+              <a:buClr>
+                <a:srgbClr val="003399"/>
+              </a:buClr>
+              <a:buSzPts val="1600"/>
+              <a:buFont typeface="Arial"/>
+              <a:buNone/>
+            </a:pPr>
+            <a:r>
+              <a:t/>
+            </a:r>
+            <a:endParaRPr b="1" sz="1600">
+              <a:solidFill>
+                <a:srgbClr val="003399"/>
+              </a:solidFill>
+              <a:latin typeface="Calibri"/>
+              <a:ea typeface="Calibri"/>
+              <a:cs typeface="Calibri"/>
+              <a:sym typeface="Calibri"/>
+            </a:endParaRPr>
+          </a:p>
+          <a:p>
+            <a:pPr indent="-285750" lvl="0" marL="285750" marR="0" rtl="0" algn="l">
+              <a:spcBef>
+                <a:spcPts val="0"/>
+              </a:spcBef>
+              <a:spcAft>
+                <a:spcPts val="0"/>
+              </a:spcAft>
+              <a:buClr>
+                <a:srgbClr val="003399"/>
+              </a:buClr>
+              <a:buSzPts val="1600"/>
+              <a:buFont typeface="Arial"/>
+              <a:buChar char="•"/>
+            </a:pPr>
+            <a:r>
+              <a:rPr b="1" lang="en-US" sz="1600">
+                <a:solidFill>
+                  <a:srgbClr val="003399"/>
+                </a:solidFill>
+                <a:latin typeface="Calibri"/>
+                <a:ea typeface="Calibri"/>
+                <a:cs typeface="Calibri"/>
+                <a:sym typeface="Calibri"/>
+              </a:rPr>
+              <a:t>Consist of one or more containers that are always scheduled together</a:t>
+            </a:r>
+            <a:endParaRPr/>
+          </a:p>
+          <a:p>
+            <a:pPr indent="-285750" lvl="1" marL="742950" marR="0" rtl="0" algn="l">
+              <a:spcBef>
+                <a:spcPts val="0"/>
+              </a:spcBef>
+              <a:spcAft>
+                <a:spcPts val="0"/>
+              </a:spcAft>
+              <a:buClr>
+                <a:srgbClr val="003399"/>
+              </a:buClr>
+              <a:buSzPts val="1600"/>
+              <a:buFont typeface="Arial"/>
+              <a:buChar char="•"/>
+            </a:pPr>
+            <a:r>
+              <a:rPr b="1" i="0" lang="en-US" sz="1600" u="none" cap="none" strike="noStrike">
+                <a:solidFill>
+                  <a:srgbClr val="003399"/>
+                </a:solidFill>
+                <a:latin typeface="Calibri"/>
+                <a:ea typeface="Calibri"/>
+                <a:cs typeface="Calibri"/>
+                <a:sym typeface="Calibri"/>
+              </a:rPr>
+              <a:t>Pods typically contain only a single container</a:t>
+            </a:r>
+            <a:endParaRPr/>
+          </a:p>
+          <a:p>
+            <a:pPr indent="-184150" lvl="0" marL="285750" marR="0" rtl="0" algn="l">
+              <a:spcBef>
+                <a:spcPts val="0"/>
+              </a:spcBef>
+              <a:spcAft>
+                <a:spcPts val="0"/>
+              </a:spcAft>
+              <a:buClr>
+                <a:srgbClr val="003399"/>
+              </a:buClr>
+              <a:buSzPts val="1600"/>
+              <a:buFont typeface="Arial"/>
+              <a:buNone/>
+            </a:pPr>
+            <a:r>
+              <a:t/>
+            </a:r>
+            <a:endParaRPr b="1" sz="1600">
+              <a:solidFill>
+                <a:srgbClr val="003399"/>
+              </a:solidFill>
+              <a:latin typeface="Calibri"/>
+              <a:ea typeface="Calibri"/>
+              <a:cs typeface="Calibri"/>
+              <a:sym typeface="Calibri"/>
+            </a:endParaRPr>
+          </a:p>
+          <a:p>
+            <a:pPr indent="-285750" lvl="0" marL="285750" marR="0" rtl="0" algn="l">
+              <a:spcBef>
+                <a:spcPts val="0"/>
+              </a:spcBef>
+              <a:spcAft>
+                <a:spcPts val="0"/>
+              </a:spcAft>
+              <a:buClr>
+                <a:srgbClr val="003399"/>
+              </a:buClr>
+              <a:buSzPts val="1600"/>
+              <a:buFont typeface="Arial"/>
+              <a:buChar char="•"/>
+            </a:pPr>
+            <a:r>
+              <a:rPr b="1" lang="en-US" sz="1600">
+                <a:solidFill>
+                  <a:srgbClr val="003399"/>
+                </a:solidFill>
+                <a:latin typeface="Calibri"/>
+                <a:ea typeface="Calibri"/>
+                <a:cs typeface="Calibri"/>
+                <a:sym typeface="Calibri"/>
+              </a:rPr>
+              <a:t>Each pod is given a unique IP address</a:t>
+            </a:r>
+            <a:endParaRPr/>
+          </a:p>
+          <a:p>
+            <a:pPr indent="-184150" lvl="0" marL="285750" marR="0" rtl="0" algn="l">
+              <a:spcBef>
+                <a:spcPts val="0"/>
+              </a:spcBef>
+              <a:spcAft>
+                <a:spcPts val="0"/>
+              </a:spcAft>
+              <a:buClr>
+                <a:srgbClr val="003399"/>
+              </a:buClr>
+              <a:buSzPts val="1600"/>
+              <a:buFont typeface="Arial"/>
+              <a:buNone/>
+            </a:pPr>
+            <a:r>
+              <a:t/>
+            </a:r>
+            <a:endParaRPr b="1" sz="1600">
+              <a:solidFill>
+                <a:srgbClr val="003399"/>
+              </a:solidFill>
+              <a:latin typeface="Calibri"/>
+              <a:ea typeface="Calibri"/>
+              <a:cs typeface="Calibri"/>
+              <a:sym typeface="Calibri"/>
+            </a:endParaRPr>
+          </a:p>
+          <a:p>
+            <a:pPr indent="-285750" lvl="0" marL="285750" marR="0" rtl="0" algn="l">
+              <a:spcBef>
+                <a:spcPts val="0"/>
+              </a:spcBef>
+              <a:spcAft>
+                <a:spcPts val="0"/>
+              </a:spcAft>
+              <a:buClr>
+                <a:srgbClr val="003399"/>
+              </a:buClr>
+              <a:buSzPts val="1600"/>
+              <a:buFont typeface="Arial"/>
+              <a:buChar char="•"/>
+            </a:pPr>
+            <a:r>
+              <a:rPr b="1" lang="en-US" sz="1600">
+                <a:solidFill>
+                  <a:srgbClr val="003399"/>
+                </a:solidFill>
+                <a:latin typeface="Calibri"/>
+                <a:ea typeface="Calibri"/>
+                <a:cs typeface="Calibri"/>
+                <a:sym typeface="Calibri"/>
+              </a:rPr>
+              <a:t>Pods share volumes</a:t>
+            </a:r>
+            <a:endParaRPr/>
+          </a:p>
+          <a:p>
+            <a:pPr indent="-184150" lvl="0" marL="285750" marR="0" rtl="0" algn="l">
+              <a:spcBef>
+                <a:spcPts val="0"/>
+              </a:spcBef>
+              <a:spcAft>
+                <a:spcPts val="0"/>
+              </a:spcAft>
+              <a:buClr>
+                <a:srgbClr val="003399"/>
+              </a:buClr>
+              <a:buSzPts val="1600"/>
+              <a:buFont typeface="Arial"/>
+              <a:buNone/>
+            </a:pPr>
+            <a:r>
+              <a:t/>
+            </a:r>
+            <a:endParaRPr b="1" sz="1600">
+              <a:solidFill>
+                <a:srgbClr val="003399"/>
+              </a:solidFill>
+              <a:latin typeface="Calibri"/>
+              <a:ea typeface="Calibri"/>
+              <a:cs typeface="Calibri"/>
+              <a:sym typeface="Calibri"/>
+            </a:endParaRPr>
+          </a:p>
+          <a:p>
+            <a:pPr indent="-285750" lvl="0" marL="285750" marR="0" rtl="0" algn="l">
+              <a:spcBef>
+                <a:spcPts val="0"/>
+              </a:spcBef>
+              <a:spcAft>
+                <a:spcPts val="0"/>
+              </a:spcAft>
+              <a:buClr>
+                <a:srgbClr val="003399"/>
+              </a:buClr>
+              <a:buSzPts val="1600"/>
+              <a:buFont typeface="Arial"/>
+              <a:buChar char="•"/>
+            </a:pPr>
+            <a:r>
+              <a:rPr b="1" lang="en-US" sz="1600">
+                <a:solidFill>
+                  <a:srgbClr val="003399"/>
+                </a:solidFill>
+                <a:latin typeface="Calibri"/>
+                <a:ea typeface="Calibri"/>
+                <a:cs typeface="Calibri"/>
+                <a:sym typeface="Calibri"/>
+              </a:rPr>
+              <a:t>On-disk files in a container are ephemeral</a:t>
+            </a:r>
+            <a:endParaRPr/>
+          </a:p>
+        </p:txBody>
+      </p:sp>
+      <p:sp>
+        <p:nvSpPr>
+          <p:cNvPr id="126" name="Google Shape;126;p17"/>
+          <p:cNvSpPr txBox="1"/>
+          <p:nvPr/>
+        </p:nvSpPr>
+        <p:spPr>
+          <a:xfrm>
+            <a:off x="8605935" y="1039084"/>
+            <a:ext cx="2189584" cy="2062103"/>
+          </a:xfrm>
+          <a:prstGeom prst="rect">
+            <a:avLst/>
+          </a:prstGeom>
+          <a:solidFill>
+            <a:schemeClr val="dk1"/>
+          </a:solidFill>
+          <a:ln>
+            <a:noFill/>
+          </a:ln>
+        </p:spPr>
+        <p:txBody>
+          <a:bodyPr anchorCtr="0" anchor="t" bIns="45700" lIns="91425" spcFirstLastPara="1" rIns="91425" wrap="square" tIns="45700">
+            <a:spAutoFit/>
+          </a:bodyPr>
+          <a:lstStyle/>
+          <a:p>
+            <a:pPr indent="0" lvl="0" marL="0" marR="0" rtl="0" algn="l">
+              <a:spcBef>
+                <a:spcPts val="0"/>
+              </a:spcBef>
+              <a:spcAft>
+                <a:spcPts val="0"/>
+              </a:spcAft>
+              <a:buNone/>
+            </a:pPr>
+            <a:r>
+              <a:rPr b="0" lang="en-US" sz="1600">
+                <a:solidFill>
+                  <a:srgbClr val="569CD6"/>
+                </a:solidFill>
+                <a:latin typeface="Consolas"/>
+                <a:ea typeface="Consolas"/>
+                <a:cs typeface="Consolas"/>
+                <a:sym typeface="Consolas"/>
+              </a:rPr>
+              <a:t>apiVersion</a:t>
+            </a:r>
+            <a:r>
+              <a:rPr b="0" lang="en-US" sz="1600">
+                <a:solidFill>
+                  <a:srgbClr val="D4D4D4"/>
+                </a:solidFill>
+                <a:latin typeface="Consolas"/>
+                <a:ea typeface="Consolas"/>
+                <a:cs typeface="Consolas"/>
+                <a:sym typeface="Consolas"/>
+              </a:rPr>
+              <a:t>: </a:t>
+            </a:r>
+            <a:r>
+              <a:rPr b="0" lang="en-US" sz="1600">
+                <a:solidFill>
+                  <a:srgbClr val="CE9178"/>
+                </a:solidFill>
+                <a:latin typeface="Consolas"/>
+                <a:ea typeface="Consolas"/>
+                <a:cs typeface="Consolas"/>
+                <a:sym typeface="Consolas"/>
+              </a:rPr>
+              <a:t>v1</a:t>
+            </a:r>
+            <a:endParaRPr b="0" sz="1600">
+              <a:solidFill>
+                <a:srgbClr val="D4D4D4"/>
+              </a:solidFill>
+              <a:latin typeface="Consolas"/>
+              <a:ea typeface="Consolas"/>
+              <a:cs typeface="Consolas"/>
+              <a:sym typeface="Consolas"/>
+            </a:endParaRPr>
+          </a:p>
+          <a:p>
+            <a:pPr indent="0" lvl="0" marL="0" marR="0" rtl="0" algn="l">
+              <a:spcBef>
+                <a:spcPts val="0"/>
+              </a:spcBef>
+              <a:spcAft>
+                <a:spcPts val="0"/>
+              </a:spcAft>
+              <a:buNone/>
+            </a:pPr>
+            <a:r>
+              <a:rPr b="0" lang="en-US" sz="1600">
+                <a:solidFill>
+                  <a:srgbClr val="569CD6"/>
+                </a:solidFill>
+                <a:latin typeface="Consolas"/>
+                <a:ea typeface="Consolas"/>
+                <a:cs typeface="Consolas"/>
+                <a:sym typeface="Consolas"/>
+              </a:rPr>
+              <a:t>kind</a:t>
+            </a:r>
+            <a:r>
+              <a:rPr b="0" lang="en-US" sz="1600">
+                <a:solidFill>
+                  <a:srgbClr val="D4D4D4"/>
+                </a:solidFill>
+                <a:latin typeface="Consolas"/>
+                <a:ea typeface="Consolas"/>
+                <a:cs typeface="Consolas"/>
+                <a:sym typeface="Consolas"/>
+              </a:rPr>
+              <a:t>: </a:t>
+            </a:r>
+            <a:r>
+              <a:rPr b="0" lang="en-US" sz="1600">
+                <a:solidFill>
+                  <a:srgbClr val="CE9178"/>
+                </a:solidFill>
+                <a:latin typeface="Consolas"/>
+                <a:ea typeface="Consolas"/>
+                <a:cs typeface="Consolas"/>
+                <a:sym typeface="Consolas"/>
+              </a:rPr>
+              <a:t>Pod</a:t>
+            </a:r>
+            <a:endParaRPr b="0" sz="1600">
+              <a:solidFill>
+                <a:srgbClr val="D4D4D4"/>
+              </a:solidFill>
+              <a:latin typeface="Consolas"/>
+              <a:ea typeface="Consolas"/>
+              <a:cs typeface="Consolas"/>
+              <a:sym typeface="Consolas"/>
+            </a:endParaRPr>
+          </a:p>
+          <a:p>
+            <a:pPr indent="0" lvl="0" marL="0" marR="0" rtl="0" algn="l">
+              <a:spcBef>
+                <a:spcPts val="0"/>
+              </a:spcBef>
+              <a:spcAft>
+                <a:spcPts val="0"/>
+              </a:spcAft>
+              <a:buNone/>
+            </a:pPr>
+            <a:r>
+              <a:rPr b="0" lang="en-US" sz="1600">
+                <a:solidFill>
+                  <a:srgbClr val="569CD6"/>
+                </a:solidFill>
+                <a:latin typeface="Consolas"/>
+                <a:ea typeface="Consolas"/>
+                <a:cs typeface="Consolas"/>
+                <a:sym typeface="Consolas"/>
+              </a:rPr>
+              <a:t>metadata</a:t>
+            </a:r>
+            <a:r>
+              <a:rPr b="0" lang="en-US" sz="1600">
+                <a:solidFill>
+                  <a:srgbClr val="D4D4D4"/>
+                </a:solidFill>
+                <a:latin typeface="Consolas"/>
+                <a:ea typeface="Consolas"/>
+                <a:cs typeface="Consolas"/>
+                <a:sym typeface="Consolas"/>
+              </a:rPr>
+              <a:t>:</a:t>
+            </a:r>
+            <a:endParaRPr/>
+          </a:p>
+          <a:p>
+            <a:pPr indent="0" lvl="0" marL="0" marR="0" rtl="0" algn="l">
+              <a:spcBef>
+                <a:spcPts val="0"/>
+              </a:spcBef>
+              <a:spcAft>
+                <a:spcPts val="0"/>
+              </a:spcAft>
+              <a:buNone/>
+            </a:pPr>
+            <a:r>
+              <a:rPr b="0" lang="en-US" sz="1600">
+                <a:solidFill>
+                  <a:schemeClr val="lt1"/>
+                </a:solidFill>
+                <a:latin typeface="Consolas"/>
+                <a:ea typeface="Consolas"/>
+                <a:cs typeface="Consolas"/>
+                <a:sym typeface="Consolas"/>
+              </a:rPr>
+              <a:t>   …</a:t>
+            </a:r>
+            <a:endParaRPr/>
+          </a:p>
+          <a:p>
+            <a:pPr indent="0" lvl="0" marL="0" marR="0" rtl="0" algn="l">
+              <a:spcBef>
+                <a:spcPts val="0"/>
+              </a:spcBef>
+              <a:spcAft>
+                <a:spcPts val="0"/>
+              </a:spcAft>
+              <a:buNone/>
+            </a:pPr>
+            <a:r>
+              <a:rPr b="0" lang="en-US" sz="1600">
+                <a:solidFill>
+                  <a:srgbClr val="569CD6"/>
+                </a:solidFill>
+                <a:latin typeface="Consolas"/>
+                <a:ea typeface="Consolas"/>
+                <a:cs typeface="Consolas"/>
+                <a:sym typeface="Consolas"/>
+              </a:rPr>
+              <a:t>spec</a:t>
+            </a:r>
+            <a:r>
+              <a:rPr b="0" lang="en-US" sz="1600">
+                <a:solidFill>
+                  <a:srgbClr val="D4D4D4"/>
+                </a:solidFill>
+                <a:latin typeface="Consolas"/>
+                <a:ea typeface="Consolas"/>
+                <a:cs typeface="Consolas"/>
+                <a:sym typeface="Consolas"/>
+              </a:rPr>
+              <a:t>:</a:t>
+            </a:r>
+            <a:endParaRPr/>
+          </a:p>
+          <a:p>
+            <a:pPr indent="0" lvl="0" marL="0" marR="0" rtl="0" algn="l">
+              <a:spcBef>
+                <a:spcPts val="0"/>
+              </a:spcBef>
+              <a:spcAft>
+                <a:spcPts val="0"/>
+              </a:spcAft>
+              <a:buNone/>
+            </a:pPr>
+            <a:r>
+              <a:rPr b="1" lang="en-US" sz="1600">
+                <a:solidFill>
+                  <a:schemeClr val="lt1"/>
+                </a:solidFill>
+                <a:latin typeface="Consolas"/>
+                <a:ea typeface="Consolas"/>
+                <a:cs typeface="Consolas"/>
+                <a:sym typeface="Consolas"/>
+              </a:rPr>
+              <a:t>   …</a:t>
+            </a:r>
+            <a:endParaRPr/>
+          </a:p>
+          <a:p>
+            <a:pPr indent="0" lvl="0" marL="0" marR="0" rtl="0" algn="l">
+              <a:spcBef>
+                <a:spcPts val="0"/>
+              </a:spcBef>
+              <a:spcAft>
+                <a:spcPts val="0"/>
+              </a:spcAft>
+              <a:buNone/>
+            </a:pPr>
+            <a:r>
+              <a:rPr b="0" lang="en-US" sz="1600">
+                <a:solidFill>
+                  <a:srgbClr val="569CD6"/>
+                </a:solidFill>
+                <a:latin typeface="Consolas"/>
+                <a:ea typeface="Consolas"/>
+                <a:cs typeface="Consolas"/>
+                <a:sym typeface="Consolas"/>
+              </a:rPr>
+              <a:t>status</a:t>
+            </a:r>
+            <a:r>
+              <a:rPr b="0" lang="en-US" sz="1600">
+                <a:solidFill>
+                  <a:srgbClr val="D4D4D4"/>
+                </a:solidFill>
+                <a:latin typeface="Consolas"/>
+                <a:ea typeface="Consolas"/>
+                <a:cs typeface="Consolas"/>
+                <a:sym typeface="Consolas"/>
+              </a:rPr>
+              <a:t>:</a:t>
+            </a:r>
+            <a:endParaRPr/>
+          </a:p>
+          <a:p>
+            <a:pPr indent="0" lvl="0" marL="0" marR="0" rtl="0" algn="l">
+              <a:spcBef>
+                <a:spcPts val="0"/>
+              </a:spcBef>
+              <a:spcAft>
+                <a:spcPts val="0"/>
+              </a:spcAft>
+              <a:buNone/>
+            </a:pPr>
+            <a:r>
+              <a:rPr b="0" lang="en-US" sz="1600">
+                <a:solidFill>
+                  <a:schemeClr val="lt1"/>
+                </a:solidFill>
+                <a:latin typeface="Consolas"/>
+                <a:ea typeface="Consolas"/>
+                <a:cs typeface="Consolas"/>
+                <a:sym typeface="Consolas"/>
+              </a:rPr>
+              <a:t>   …</a:t>
+            </a:r>
+            <a:endParaRPr/>
+          </a:p>
+        </p:txBody>
+      </p:sp>
+    </p:spTree>
+  </p:cSld>
+  <p:clrMapOvr>
+    <a:masterClrMapping/>
+  </p:clrMapOvr>
+</p:sld>
+</file>
+
+<file path=ppt/slides/slide11.xml><?xml version="1.0" encoding="utf-8"?>
+<p:sld xmlns:a="http://schemas.openxmlformats.org/drawingml/2006/main" xmlns:r="http://schemas.openxmlformats.org/officeDocument/2006/relationships" xmlns:mc="http://schemas.openxmlformats.org/markup-compatibility/2006" xmlns:mv="urn:schemas-microsoft-com:mac:vml" xmlns:p="http://schemas.openxmlformats.org/presentationml/2006/main" xmlns:c="http://schemas.openxmlformats.org/drawingml/2006/chart" xmlns:dgm="http://schemas.openxmlformats.org/drawingml/2006/diagram" xmlns:o="urn:schemas-microsoft-com:office:office" xmlns:v="urn:schemas-microsoft-com:vml" xmlns:pvml="urn:schemas-microsoft-com:office:powerpoint" xmlns:com="http://schemas.openxmlformats.org/drawingml/2006/compatibility" xmlns:p14="http://schemas.microsoft.com/office/powerpoint/2010/main" xmlns:p15="http://schemas.microsoft.com/office/powerpoint/2012/main" xmlns:ahyp="http://schemas.microsoft.com/office/drawing/2018/hyperlinkcolor">
+  <p:cSld>
+    <p:spTree>
+      <p:nvGrpSpPr>
+        <p:cNvPr id="131" name="Shape 131"/>
+        <p:cNvGrpSpPr/>
+        <p:nvPr/>
+      </p:nvGrpSpPr>
+      <p:grpSpPr>
+        <a:xfrm>
+          <a:off x="0" y="0"/>
+          <a:ext cx="0" cy="0"/>
+          <a:chOff x="0" y="0"/>
+          <a:chExt cx="0" cy="0"/>
+        </a:xfrm>
+      </p:grpSpPr>
+      <p:sp>
+        <p:nvSpPr>
+          <p:cNvPr id="132" name="Google Shape;132;g121a7a1b8b7_2_12"/>
           <p:cNvSpPr txBox="1"/>
           <p:nvPr>
             <p:ph idx="1" type="body"/>
@@ -8810,7 +9684,7 @@
       </p:sp>
       <p:pic>
         <p:nvPicPr>
-          <p:cNvPr id="126" name="Google Shape;126;g121a7a1b8b7_2_12"/>
+          <p:cNvPr id="133" name="Google Shape;133;g121a7a1b8b7_2_12"/>
           <p:cNvPicPr preferRelativeResize="0"/>
           <p:nvPr/>
         </p:nvPicPr>
@@ -8838,7 +9712,7 @@
       </p:pic>
       <p:pic>
         <p:nvPicPr>
-          <p:cNvPr id="127" name="Google Shape;127;g121a7a1b8b7_2_12"/>
+          <p:cNvPr id="134" name="Google Shape;134;g121a7a1b8b7_2_12"/>
           <p:cNvPicPr preferRelativeResize="0"/>
           <p:nvPr/>
         </p:nvPicPr>
@@ -8866,7 +9740,7 @@
       </p:pic>
       <p:sp>
         <p:nvSpPr>
-          <p:cNvPr id="128" name="Google Shape;128;g121a7a1b8b7_2_12"/>
+          <p:cNvPr id="135" name="Google Shape;135;g121a7a1b8b7_2_12"/>
           <p:cNvSpPr txBox="1"/>
           <p:nvPr>
             <p:ph type="title"/>
@@ -8931,12 +9805,12 @@
 </p:sld>
 </file>
 
-<file path=ppt/slides/slide11.xml><?xml version="1.0" encoding="utf-8"?>
+<file path=ppt/slides/slide12.xml><?xml version="1.0" encoding="utf-8"?>
 <p:sld xmlns:a="http://schemas.openxmlformats.org/drawingml/2006/main" xmlns:r="http://schemas.openxmlformats.org/officeDocument/2006/relationships" xmlns:mc="http://schemas.openxmlformats.org/markup-compatibility/2006" xmlns:mv="urn:schemas-microsoft-com:mac:vml" xmlns:p="http://schemas.openxmlformats.org/presentationml/2006/main" xmlns:c="http://schemas.openxmlformats.org/drawingml/2006/chart" xmlns:dgm="http://schemas.openxmlformats.org/drawingml/2006/diagram" xmlns:o="urn:schemas-microsoft-com:office:office" xmlns:v="urn:schemas-microsoft-com:vml" xmlns:pvml="urn:schemas-microsoft-com:office:powerpoint" xmlns:com="http://schemas.openxmlformats.org/drawingml/2006/compatibility" xmlns:p14="http://schemas.microsoft.com/office/powerpoint/2010/main" xmlns:p15="http://schemas.microsoft.com/office/powerpoint/2012/main" xmlns:ahyp="http://schemas.microsoft.com/office/drawing/2018/hyperlinkcolor">
   <p:cSld>
     <p:spTree>
       <p:nvGrpSpPr>
-        <p:cNvPr id="133" name="Shape 133"/>
+        <p:cNvPr id="140" name="Shape 140"/>
         <p:cNvGrpSpPr/>
         <p:nvPr/>
       </p:nvGrpSpPr>
@@ -8950,7 +9824,7 @@
       </p:grpSpPr>
       <p:sp>
         <p:nvSpPr>
-          <p:cNvPr id="134" name="Google Shape;134;g121a7a1b8b7_2_18"/>
+          <p:cNvPr id="141" name="Google Shape;141;g121a7a1b8b7_2_18"/>
           <p:cNvSpPr txBox="1"/>
           <p:nvPr>
             <p:ph type="title"/>
@@ -9031,7 +9905,7 @@
       </p:sp>
       <p:sp>
         <p:nvSpPr>
-          <p:cNvPr id="135" name="Google Shape;135;g121a7a1b8b7_2_18"/>
+          <p:cNvPr id="142" name="Google Shape;142;g121a7a1b8b7_2_18"/>
           <p:cNvSpPr txBox="1"/>
           <p:nvPr>
             <p:ph idx="1" type="body"/>
@@ -9487,7 +10361,7 @@
       </p:sp>
       <p:sp>
         <p:nvSpPr>
-          <p:cNvPr id="136" name="Google Shape;136;g121a7a1b8b7_2_18"/>
+          <p:cNvPr id="143" name="Google Shape;143;g121a7a1b8b7_2_18"/>
           <p:cNvSpPr txBox="1"/>
           <p:nvPr/>
         </p:nvSpPr>
@@ -9535,12 +10409,12 @@
 </p:sld>
 </file>
 
-<file path=ppt/slides/slide12.xml><?xml version="1.0" encoding="utf-8"?>
+<file path=ppt/slides/slide13.xml><?xml version="1.0" encoding="utf-8"?>
 <p:sld xmlns:a="http://schemas.openxmlformats.org/drawingml/2006/main" xmlns:r="http://schemas.openxmlformats.org/officeDocument/2006/relationships" xmlns:mc="http://schemas.openxmlformats.org/markup-compatibility/2006" xmlns:mv="urn:schemas-microsoft-com:mac:vml" xmlns:p="http://schemas.openxmlformats.org/presentationml/2006/main" xmlns:c="http://schemas.openxmlformats.org/drawingml/2006/chart" xmlns:dgm="http://schemas.openxmlformats.org/drawingml/2006/diagram" xmlns:o="urn:schemas-microsoft-com:office:office" xmlns:v="urn:schemas-microsoft-com:vml" xmlns:pvml="urn:schemas-microsoft-com:office:powerpoint" xmlns:com="http://schemas.openxmlformats.org/drawingml/2006/compatibility" xmlns:p14="http://schemas.microsoft.com/office/powerpoint/2010/main" xmlns:p15="http://schemas.microsoft.com/office/powerpoint/2012/main" xmlns:ahyp="http://schemas.microsoft.com/office/drawing/2018/hyperlinkcolor">
   <p:cSld>
     <p:spTree>
       <p:nvGrpSpPr>
-        <p:cNvPr id="141" name="Shape 141"/>
+        <p:cNvPr id="148" name="Shape 148"/>
         <p:cNvGrpSpPr/>
         <p:nvPr/>
       </p:nvGrpSpPr>
@@ -9554,7 +10428,7 @@
       </p:grpSpPr>
       <p:sp>
         <p:nvSpPr>
-          <p:cNvPr id="142" name="Google Shape;142;g121a7a1b8b7_2_46"/>
+          <p:cNvPr id="149" name="Google Shape;149;g121a7a1b8b7_2_46"/>
           <p:cNvSpPr txBox="1"/>
           <p:nvPr>
             <p:ph type="title"/>
@@ -9617,7 +10491,7 @@
       </p:sp>
       <p:sp>
         <p:nvSpPr>
-          <p:cNvPr id="143" name="Google Shape;143;g121a7a1b8b7_2_46"/>
+          <p:cNvPr id="150" name="Google Shape;150;g121a7a1b8b7_2_46"/>
           <p:cNvSpPr txBox="1"/>
           <p:nvPr>
             <p:ph idx="1" type="body"/>
@@ -9910,10 +10784,92 @@
                   <a:srgbClr val="333333"/>
                 </a:solidFill>
                 <a:highlight>
-                  <a:srgbClr val="FFFFFF"/>
+                  <a:schemeClr val="lt2"/>
                 </a:highlight>
               </a:rPr>
               <a:t>+Add Port</a:t>
+            </a:r>
+            <a:endParaRPr sz="1650">
+              <a:solidFill>
+                <a:srgbClr val="333333"/>
+              </a:solidFill>
+              <a:highlight>
+                <a:schemeClr val="lt2"/>
+              </a:highlight>
+            </a:endParaRPr>
+          </a:p>
+          <a:p>
+            <a:pPr indent="0" lvl="0" marL="0" rtl="0" algn="l">
+              <a:spcBef>
+                <a:spcPts val="360"/>
+              </a:spcBef>
+              <a:spcAft>
+                <a:spcPts val="0"/>
+              </a:spcAft>
+              <a:buNone/>
+            </a:pPr>
+            <a:r>
+              <a:rPr lang="en-US" sz="1650">
+                <a:solidFill>
+                  <a:srgbClr val="555555"/>
+                </a:solidFill>
+                <a:highlight>
+                  <a:schemeClr val="lt2"/>
+                </a:highlight>
+              </a:rPr>
+              <a:t>Container Port: enable</a:t>
+            </a:r>
+            <a:endParaRPr sz="1650">
+              <a:solidFill>
+                <a:srgbClr val="555555"/>
+              </a:solidFill>
+              <a:highlight>
+                <a:schemeClr val="lt2"/>
+              </a:highlight>
+            </a:endParaRPr>
+          </a:p>
+          <a:p>
+            <a:pPr indent="0" lvl="0" marL="0" rtl="0" algn="l">
+              <a:spcBef>
+                <a:spcPts val="360"/>
+              </a:spcBef>
+              <a:spcAft>
+                <a:spcPts val="0"/>
+              </a:spcAft>
+              <a:buNone/>
+            </a:pPr>
+            <a:r>
+              <a:rPr lang="en-US" sz="1650">
+                <a:solidFill>
+                  <a:srgbClr val="333333"/>
+                </a:solidFill>
+                <a:highlight>
+                  <a:schemeClr val="lt2"/>
+                </a:highlight>
+              </a:rPr>
+              <a:t>Expose Service Port: enable</a:t>
+            </a:r>
+            <a:endParaRPr sz="1650">
+              <a:solidFill>
+                <a:srgbClr val="333333"/>
+              </a:solidFill>
+              <a:highlight>
+                <a:schemeClr val="lt2"/>
+              </a:highlight>
+            </a:endParaRPr>
+          </a:p>
+          <a:p>
+            <a:pPr indent="0" lvl="0" marL="0" rtl="0" algn="l">
+              <a:spcBef>
+                <a:spcPts val="360"/>
+              </a:spcBef>
+              <a:spcAft>
+                <a:spcPts val="0"/>
+              </a:spcAft>
+              <a:buNone/>
+            </a:pPr>
+            <a:r>
+              <a:t/>
             </a:r>
             <a:endParaRPr sz="1650">
               <a:solidFill>
@@ -9937,43 +10893,13 @@
             <a:r>
               <a:rPr lang="en-US" sz="1650">
                 <a:solidFill>
-                  <a:srgbClr val="555555"/>
-                </a:solidFill>
-                <a:highlight>
-                  <a:srgbClr val="EEEEEE"/>
-                </a:highlight>
-              </a:rPr>
-              <a:t>Container Port: enable</a:t>
-            </a:r>
-            <a:endParaRPr sz="1650">
-              <a:solidFill>
-                <a:srgbClr val="555555"/>
-              </a:solidFill>
-              <a:highlight>
-                <a:srgbClr val="EEEEEE"/>
-              </a:highlight>
-            </a:endParaRPr>
-          </a:p>
-          <a:p>
-            <a:pPr indent="0" lvl="0" marL="0" rtl="0" algn="l">
-              <a:spcBef>
-                <a:spcPts val="360"/>
-              </a:spcBef>
-              <a:spcAft>
-                <a:spcPts val="0"/>
-              </a:spcAft>
-              <a:buNone/>
-            </a:pPr>
-            <a:r>
-              <a:rPr lang="en-US" sz="1650">
-                <a:solidFill>
                   <a:srgbClr val="333333"/>
                 </a:solidFill>
                 <a:highlight>
                   <a:srgbClr val="FFFFFF"/>
                 </a:highlight>
               </a:rPr>
-              <a:t>Expose Service Port: enable</a:t>
+              <a:t>複製右邊欄位的值</a:t>
             </a:r>
             <a:endParaRPr sz="1650">
               <a:solidFill>
@@ -9984,63 +10910,11 @@
               </a:highlight>
             </a:endParaRPr>
           </a:p>
-          <a:p>
-            <a:pPr indent="0" lvl="0" marL="0" rtl="0" algn="l">
-              <a:spcBef>
-                <a:spcPts val="360"/>
-              </a:spcBef>
-              <a:spcAft>
-                <a:spcPts val="0"/>
-              </a:spcAft>
-              <a:buNone/>
-            </a:pPr>
-            <a:r>
-              <a:t/>
-            </a:r>
-            <a:endParaRPr sz="1650">
-              <a:solidFill>
-                <a:srgbClr val="333333"/>
-              </a:solidFill>
-              <a:highlight>
-                <a:srgbClr val="FFFFFF"/>
-              </a:highlight>
-            </a:endParaRPr>
-          </a:p>
-          <a:p>
-            <a:pPr indent="0" lvl="0" marL="0" rtl="0" algn="l">
-              <a:spcBef>
-                <a:spcPts val="360"/>
-              </a:spcBef>
-              <a:spcAft>
-                <a:spcPts val="0"/>
-              </a:spcAft>
-              <a:buNone/>
-            </a:pPr>
-            <a:r>
-              <a:rPr lang="en-US" sz="1650">
-                <a:solidFill>
-                  <a:srgbClr val="333333"/>
-                </a:solidFill>
-                <a:highlight>
-                  <a:srgbClr val="FFFFFF"/>
-                </a:highlight>
-              </a:rPr>
-              <a:t>複製右邊欄位的值</a:t>
-            </a:r>
-            <a:endParaRPr sz="1650">
-              <a:solidFill>
-                <a:srgbClr val="333333"/>
-              </a:solidFill>
-              <a:highlight>
-                <a:srgbClr val="FFFFFF"/>
-              </a:highlight>
-            </a:endParaRPr>
-          </a:p>
         </p:txBody>
       </p:sp>
       <p:pic>
         <p:nvPicPr>
-          <p:cNvPr id="144" name="Google Shape;144;g121a7a1b8b7_2_46"/>
+          <p:cNvPr id="151" name="Google Shape;151;g121a7a1b8b7_2_46"/>
           <p:cNvPicPr preferRelativeResize="0"/>
           <p:nvPr/>
         </p:nvPicPr>
@@ -10074,12 +10948,12 @@
 </p:sld>
 </file>
 
-<file path=ppt/slides/slide13.xml><?xml version="1.0" encoding="utf-8"?>
+<file path=ppt/slides/slide14.xml><?xml version="1.0" encoding="utf-8"?>
 <p:sld xmlns:a="http://schemas.openxmlformats.org/drawingml/2006/main" xmlns:r="http://schemas.openxmlformats.org/officeDocument/2006/relationships" xmlns:mc="http://schemas.openxmlformats.org/markup-compatibility/2006" xmlns:mv="urn:schemas-microsoft-com:mac:vml" xmlns:p="http://schemas.openxmlformats.org/presentationml/2006/main" xmlns:c="http://schemas.openxmlformats.org/drawingml/2006/chart" xmlns:dgm="http://schemas.openxmlformats.org/drawingml/2006/diagram" xmlns:o="urn:schemas-microsoft-com:office:office" xmlns:v="urn:schemas-microsoft-com:vml" xmlns:pvml="urn:schemas-microsoft-com:office:powerpoint" xmlns:com="http://schemas.openxmlformats.org/drawingml/2006/compatibility" xmlns:p14="http://schemas.microsoft.com/office/powerpoint/2010/main" xmlns:p15="http://schemas.microsoft.com/office/powerpoint/2012/main" xmlns:ahyp="http://schemas.microsoft.com/office/drawing/2018/hyperlinkcolor">
   <p:cSld>
     <p:spTree>
       <p:nvGrpSpPr>
-        <p:cNvPr id="149" name="Shape 149"/>
+        <p:cNvPr id="156" name="Shape 156"/>
         <p:cNvGrpSpPr/>
         <p:nvPr/>
       </p:nvGrpSpPr>
@@ -10093,7 +10967,7 @@
       </p:grpSpPr>
       <p:sp>
         <p:nvSpPr>
-          <p:cNvPr id="150" name="Google Shape;150;g121a7a1b8b7_2_67"/>
+          <p:cNvPr id="157" name="Google Shape;157;g121a7a1b8b7_2_67"/>
           <p:cNvSpPr txBox="1"/>
           <p:nvPr>
             <p:ph type="title"/>
@@ -10172,7 +11046,7 @@
       </p:sp>
       <p:sp>
         <p:nvSpPr>
-          <p:cNvPr id="151" name="Google Shape;151;g121a7a1b8b7_2_67"/>
+          <p:cNvPr id="158" name="Google Shape;158;g121a7a1b8b7_2_67"/>
           <p:cNvSpPr txBox="1"/>
           <p:nvPr>
             <p:ph idx="1" type="body"/>
@@ -10193,17 +11067,18 @@
           </a:bodyPr>
           <a:lstStyle/>
           <a:p>
-            <a:pPr indent="0" lvl="0" marL="0" rtl="0" algn="l">
+            <a:pPr indent="-368300" lvl="0" marL="457200" rtl="0" algn="l">
               <a:spcBef>
                 <a:spcPts val="360"/>
               </a:spcBef>
               <a:spcAft>
                 <a:spcPts val="0"/>
               </a:spcAft>
-              <a:buNone/>
-            </a:pPr>
-            <a:r>
-              <a:rPr lang="en-US" sz="2850">
+              <a:buSzPts val="2200"/>
+              <a:buChar char="●"/>
+            </a:pPr>
+            <a:r>
+              <a:rPr lang="en-US" sz="2200">
                 <a:solidFill>
                   <a:srgbClr val="0645AD"/>
                 </a:solidFill>
@@ -10224,7 +11099,7 @@
               <a:t>Linux</a:t>
             </a:r>
             <a:r>
-              <a:rPr lang="en-US" sz="2850">
+              <a:rPr lang="en-US" sz="2200">
                 <a:solidFill>
                   <a:srgbClr val="202122"/>
                 </a:solidFill>
@@ -10235,7 +11110,7 @@
               <a:t>等操作系統的內核將嘗試通過終止一個或多個進程（一種稱為</a:t>
             </a:r>
             <a:r>
-              <a:rPr i="1" lang="en-US" sz="2850">
+              <a:rPr i="1" lang="en-US" sz="2200">
                 <a:solidFill>
                   <a:srgbClr val="202122"/>
                 </a:solidFill>
@@ -10246,7 +11121,7 @@
               <a:t>OOM Killer</a:t>
             </a:r>
             <a:r>
-              <a:rPr lang="en-US" sz="2850">
+              <a:rPr lang="en-US" sz="2200">
                 <a:solidFill>
                   <a:srgbClr val="202122"/>
                 </a:solidFill>
@@ -10257,7 +11132,7 @@
               <a:t>的機制）從這種類型的 OOM 條件中恢復。</a:t>
             </a:r>
             <a:r>
-              <a:rPr baseline="30000" lang="en-US" sz="3300">
+              <a:rPr baseline="30000" lang="en-US" sz="2200">
                 <a:solidFill>
                   <a:srgbClr val="0645AD"/>
                 </a:solidFill>
@@ -10278,7 +11153,7 @@
               <a:t>[1]</a:t>
             </a:r>
             <a:r>
-              <a:rPr lang="en-US" sz="2850">
+              <a:rPr lang="en-US" sz="2200">
                 <a:solidFill>
                   <a:srgbClr val="202122"/>
                 </a:solidFill>
@@ -10289,7 +11164,7 @@
               <a:t> </a:t>
             </a:r>
             <a:r>
-              <a:rPr lang="en-US" sz="2850">
+              <a:rPr lang="en-US" sz="2200">
                 <a:solidFill>
                   <a:srgbClr val="0645AD"/>
                 </a:solidFill>
@@ -10310,7 +11185,7 @@
               <a:t>Linux 4.6</a:t>
             </a:r>
             <a:r>
-              <a:rPr lang="en-US" sz="2850">
+              <a:rPr lang="en-US" sz="2200">
                 <a:solidFill>
                   <a:srgbClr val="202122"/>
                 </a:solidFill>
@@ -10321,7 +11196,7 @@
               <a:t>（2016 年 5 月發布）引入了 OOM 情況的變化，提高了檢測和可靠性。</a:t>
             </a:r>
             <a:r>
-              <a:rPr baseline="30000" lang="en-US" sz="3300">
+              <a:rPr baseline="30000" lang="en-US" sz="2200">
                 <a:solidFill>
                   <a:srgbClr val="0645AD"/>
                 </a:solidFill>
@@ -10342,7 +11217,7 @@
               <a:t>[2] </a:t>
             </a:r>
             <a:r>
-              <a:rPr baseline="30000" lang="en-US" sz="3300">
+              <a:rPr baseline="30000" lang="en-US" sz="2200">
                 <a:solidFill>
                   <a:srgbClr val="0645AD"/>
                 </a:solidFill>
@@ -10363,7 +11238,7 @@
               <a:t>[3]</a:t>
             </a:r>
             <a:r>
-              <a:rPr lang="en-US" sz="2850">
+              <a:rPr lang="en-US" sz="2200">
                 <a:solidFill>
                   <a:srgbClr val="202122"/>
                 </a:solidFill>
@@ -10374,7 +11249,7 @@
               <a:t> OOM 殺手中的</a:t>
             </a:r>
             <a:r>
-              <a:rPr lang="en-US" sz="2850">
+              <a:rPr lang="en-US" sz="2200">
                 <a:solidFill>
                   <a:srgbClr val="0645AD"/>
                 </a:solidFill>
@@ -10395,7 +11270,7 @@
               <a:t>cgroup感知在 2018 年 10 月發布的</a:t>
             </a:r>
             <a:r>
-              <a:rPr lang="en-US" sz="2850">
+              <a:rPr lang="en-US" sz="2200">
                 <a:solidFill>
                   <a:srgbClr val="0645AD"/>
                 </a:solidFill>
@@ -10416,7 +11291,7 @@
               <a:t>Linux 內核 4.19</a:t>
             </a:r>
             <a:r>
-              <a:rPr lang="en-US" sz="2850">
+              <a:rPr lang="en-US" sz="2200">
                 <a:solidFill>
                   <a:srgbClr val="202122"/>
                 </a:solidFill>
@@ -10426,13 +11301,58 @@
               </a:rPr>
               <a:t>中實現，增加了殺死一個 cgroup 作為一個單元。</a:t>
             </a:r>
-            <a:endParaRPr sz="4600"/>
+            <a:endParaRPr sz="2200">
+              <a:solidFill>
+                <a:srgbClr val="202122"/>
+              </a:solidFill>
+              <a:highlight>
+                <a:srgbClr val="FFFFFF"/>
+              </a:highlight>
+            </a:endParaRPr>
+          </a:p>
+          <a:p>
+            <a:pPr indent="-368300" lvl="0" marL="457200" rtl="0" algn="l">
+              <a:spcBef>
+                <a:spcPts val="0"/>
+              </a:spcBef>
+              <a:spcAft>
+                <a:spcPts val="0"/>
+              </a:spcAft>
+              <a:buClr>
+                <a:srgbClr val="202122"/>
+              </a:buClr>
+              <a:buSzPts val="2200"/>
+              <a:buChar char="●"/>
+            </a:pPr>
+            <a:r>
+              <a:rPr lang="en-US" sz="2200">
+                <a:solidFill>
+                  <a:srgbClr val="202122"/>
+                </a:solidFill>
+                <a:highlight>
+                  <a:srgbClr val="FFFFFF"/>
+                </a:highlight>
+              </a:rPr>
+              <a:t>做為自我保護linux 核心服務不受影響的手段</a:t>
+            </a:r>
+            <a:r>
+              <a:rPr lang="en-US" sz="2200">
+                <a:solidFill>
+                  <a:srgbClr val="202122"/>
+                </a:solidFill>
+                <a:highlight>
+                  <a:schemeClr val="lt1"/>
+                </a:highlight>
+              </a:rPr>
+              <a:t>。</a:t>
+            </a:r>
+            <a:endParaRPr sz="2200"/>
           </a:p>
         </p:txBody>
       </p:sp>
       <p:sp>
         <p:nvSpPr>
-          <p:cNvPr id="152" name="Google Shape;152;g121a7a1b8b7_2_67"/>
+          <p:cNvPr id="159" name="Google Shape;159;g121a7a1b8b7_2_67"/>
           <p:cNvSpPr txBox="1"/>
           <p:nvPr/>
         </p:nvSpPr>
@@ -10478,13 +11398,13 @@
       </p:sp>
       <p:sp>
         <p:nvSpPr>
-          <p:cNvPr id="153" name="Google Shape;153;g121a7a1b8b7_2_67"/>
+          <p:cNvPr id="160" name="Google Shape;160;g121a7a1b8b7_2_67"/>
           <p:cNvSpPr txBox="1"/>
           <p:nvPr/>
         </p:nvSpPr>
         <p:spPr>
           <a:xfrm>
-            <a:off x="379950" y="4168925"/>
+            <a:off x="330300" y="3721150"/>
             <a:ext cx="11432100" cy="2154900"/>
           </a:xfrm>
           <a:prstGeom prst="rect">
@@ -10723,12 +11643,12 @@
 </p:sld>
 </file>
 
-<file path=ppt/slides/slide14.xml><?xml version="1.0" encoding="utf-8"?>
+<file path=ppt/slides/slide15.xml><?xml version="1.0" encoding="utf-8"?>
 <p:sld xmlns:a="http://schemas.openxmlformats.org/drawingml/2006/main" xmlns:r="http://schemas.openxmlformats.org/officeDocument/2006/relationships" xmlns:mc="http://schemas.openxmlformats.org/markup-compatibility/2006" xmlns:mv="urn:schemas-microsoft-com:mac:vml" xmlns:p="http://schemas.openxmlformats.org/presentationml/2006/main" xmlns:c="http://schemas.openxmlformats.org/drawingml/2006/chart" xmlns:dgm="http://schemas.openxmlformats.org/drawingml/2006/diagram" xmlns:o="urn:schemas-microsoft-com:office:office" xmlns:v="urn:schemas-microsoft-com:vml" xmlns:pvml="urn:schemas-microsoft-com:office:powerpoint" xmlns:com="http://schemas.openxmlformats.org/drawingml/2006/compatibility" xmlns:p14="http://schemas.microsoft.com/office/powerpoint/2010/main" xmlns:p15="http://schemas.microsoft.com/office/powerpoint/2012/main" xmlns:ahyp="http://schemas.microsoft.com/office/drawing/2018/hyperlinkcolor">
   <p:cSld>
     <p:spTree>
       <p:nvGrpSpPr>
-        <p:cNvPr id="157" name="Shape 157"/>
+        <p:cNvPr id="164" name="Shape 164"/>
         <p:cNvGrpSpPr/>
         <p:nvPr/>
       </p:nvGrpSpPr>
@@ -10742,7 +11662,7 @@
       </p:grpSpPr>
       <p:sp>
         <p:nvSpPr>
-          <p:cNvPr id="158" name="Google Shape;158;p33"/>
+          <p:cNvPr id="165" name="Google Shape;165;p33"/>
           <p:cNvSpPr txBox="1"/>
           <p:nvPr>
             <p:ph type="title"/>
@@ -10786,7 +11706,7 @@
       </p:sp>
       <p:sp>
         <p:nvSpPr>
-          <p:cNvPr id="159" name="Google Shape;159;p33"/>
+          <p:cNvPr id="166" name="Google Shape;166;p33"/>
           <p:cNvSpPr txBox="1"/>
           <p:nvPr>
             <p:ph idx="1" type="body"/>
@@ -11668,15 +12588,7 @@
             </a:pPr>
             <a:r>
               <a:rPr lang="en-US"/>
-              <a:t>拿到一個壓縮檔 (</a:t>
-            </a:r>
-            <a:r>
-              <a:rPr lang="en-US" sz="1600"/>
-              <a:t>K8s Exercise workshop.zip</a:t>
-            </a:r>
-            <a:r>
-              <a:rPr lang="en-US"/>
-              <a:t>)今日內容</a:t>
+              <a:t>拿到一個github 連結 今日內容</a:t>
             </a:r>
             <a:endParaRPr/>
           </a:p>
@@ -11881,7 +12793,7 @@
       </p:grpSpPr>
       <p:sp>
         <p:nvSpPr>
-          <p:cNvPr id="86" name="Google Shape;86;g121a7a1b8b7_2_28"/>
+          <p:cNvPr id="86" name="Google Shape;86;g121b8ad41eb_0_0"/>
           <p:cNvSpPr txBox="1"/>
           <p:nvPr>
             <p:ph type="title"/>
@@ -11913,7 +12825,26 @@
             </a:pPr>
             <a:r>
               <a:rPr lang="en-US"/>
-              <a:t>元件介紹</a:t>
+              <a:t>workshop </a:t>
+            </a:r>
+            <a:r>
+              <a:rPr lang="en-US"/>
+              <a:t>連結</a:t>
+            </a:r>
+            <a:endParaRPr/>
+          </a:p>
+          <a:p>
+            <a:pPr indent="0" lvl="0" marL="0" rtl="0" algn="l">
+              <a:spcBef>
+                <a:spcPts val="0"/>
+              </a:spcBef>
+              <a:spcAft>
+                <a:spcPts val="0"/>
+              </a:spcAft>
+              <a:buNone/>
+            </a:pPr>
+            <a:r>
+              <a:t/>
             </a:r>
             <a:endParaRPr/>
           </a:p>
@@ -11921,7 +12852,7 @@
       </p:sp>
       <p:sp>
         <p:nvSpPr>
-          <p:cNvPr id="87" name="Google Shape;87;g121a7a1b8b7_2_28"/>
+          <p:cNvPr id="87" name="Google Shape;87;g121b8ad41eb_0_0"/>
           <p:cNvSpPr txBox="1"/>
           <p:nvPr>
             <p:ph idx="1" type="body"/>
@@ -11929,8 +12860,8 @@
         </p:nvSpPr>
         <p:spPr>
           <a:xfrm>
-            <a:off x="1195650" y="2932250"/>
-            <a:ext cx="9800700" cy="1182600"/>
+            <a:off x="379960" y="1207376"/>
+            <a:ext cx="11432100" cy="4968900"/>
           </a:xfrm>
           <a:prstGeom prst="rect">
             <a:avLst/>
@@ -11943,49 +12874,107 @@
           <a:lstStyle/>
           <a:p>
             <a:pPr indent="0" lvl="0" marL="0" rtl="0" algn="l">
-              <a:lnSpc>
-                <a:spcPct val="115000"/>
-              </a:lnSpc>
-              <a:spcBef>
-                <a:spcPts val="2200"/>
-              </a:spcBef>
-              <a:spcAft>
-                <a:spcPts val="0"/>
-              </a:spcAft>
-              <a:buNone/>
-            </a:pPr>
-            <a:r>
-              <a:rPr lang="en-US" sz="3167"/>
-              <a:t>Ingress、Service、Deployment、ReplicaSet、Pod</a:t>
-            </a:r>
-            <a:endParaRPr sz="4200">
-              <a:solidFill>
-                <a:srgbClr val="0087DC"/>
-              </a:solidFill>
-            </a:endParaRPr>
+              <a:spcBef>
+                <a:spcPts val="360"/>
+              </a:spcBef>
+              <a:spcAft>
+                <a:spcPts val="0"/>
+              </a:spcAft>
+              <a:buNone/>
+            </a:pPr>
+            <a:r>
+              <a:rPr lang="en-US" u="sng">
+                <a:solidFill>
+                  <a:schemeClr val="hlink"/>
+                </a:solidFill>
+                <a:hlinkClick r:id="rId3"/>
+              </a:rPr>
+              <a:t>https://github.com/harryliu123/daltawwK8sExerciseWorkshop</a:t>
+            </a:r>
+            <a:endParaRPr/>
           </a:p>
           <a:p>
             <a:pPr indent="0" lvl="0" marL="0" rtl="0" algn="l">
               <a:spcBef>
-                <a:spcPts val="2200"/>
-              </a:spcBef>
-              <a:spcAft>
-                <a:spcPts val="0"/>
-              </a:spcAft>
-              <a:buClr>
-                <a:schemeClr val="dk1"/>
-              </a:buClr>
-              <a:buFont typeface="Arial"/>
+                <a:spcPts val="360"/>
+              </a:spcBef>
+              <a:spcAft>
+                <a:spcPts val="0"/>
+              </a:spcAft>
               <a:buNone/>
             </a:pPr>
             <a:r>
               <a:t/>
             </a:r>
-            <a:endParaRPr sz="3200">
-              <a:solidFill>
-                <a:srgbClr val="0087DC"/>
-              </a:solidFill>
-            </a:endParaRPr>
+            <a:endParaRPr/>
+          </a:p>
+          <a:p>
+            <a:pPr indent="0" lvl="0" marL="0" rtl="0" algn="l">
+              <a:spcBef>
+                <a:spcPts val="360"/>
+              </a:spcBef>
+              <a:spcAft>
+                <a:spcPts val="0"/>
+              </a:spcAft>
+              <a:buNone/>
+            </a:pPr>
+            <a:r>
+              <a:rPr lang="en-US"/>
+              <a:t>短網址:</a:t>
+            </a:r>
+            <a:endParaRPr/>
+          </a:p>
+          <a:p>
+            <a:pPr indent="0" lvl="0" marL="0" rtl="0" algn="l">
+              <a:spcBef>
+                <a:spcPts val="360"/>
+              </a:spcBef>
+              <a:spcAft>
+                <a:spcPts val="0"/>
+              </a:spcAft>
+              <a:buNone/>
+            </a:pPr>
+            <a:r>
+              <a:rPr lang="en-US" u="sng">
+                <a:solidFill>
+                  <a:schemeClr val="hlink"/>
+                </a:solidFill>
+                <a:hlinkClick r:id="rId4"/>
+              </a:rPr>
+              <a:t>https://reurl.cc/DdWrNe</a:t>
+            </a:r>
+            <a:endParaRPr/>
+          </a:p>
+          <a:p>
+            <a:pPr indent="0" lvl="0" marL="0" rtl="0" algn="l">
+              <a:spcBef>
+                <a:spcPts val="360"/>
+              </a:spcBef>
+              <a:spcAft>
+                <a:spcPts val="0"/>
+              </a:spcAft>
+              <a:buNone/>
+            </a:pPr>
+            <a:r>
+              <a:t/>
+            </a:r>
+            <a:endParaRPr/>
+          </a:p>
+          <a:p>
+            <a:pPr indent="0" lvl="0" marL="0" rtl="0" algn="l">
+              <a:spcBef>
+                <a:spcPts val="360"/>
+              </a:spcBef>
+              <a:spcAft>
+                <a:spcPts val="0"/>
+              </a:spcAft>
+              <a:buNone/>
+            </a:pPr>
+            <a:r>
+              <a:rPr lang="en-US"/>
+              <a:t>開放到今天下班前</a:t>
+            </a:r>
+            <a:endParaRPr/>
           </a:p>
         </p:txBody>
       </p:sp>
@@ -12016,7 +13005,7 @@
       </p:grpSpPr>
       <p:sp>
         <p:nvSpPr>
-          <p:cNvPr id="93" name="Google Shape;93;p31"/>
+          <p:cNvPr id="93" name="Google Shape;93;g121a7a1b8b7_2_28"/>
           <p:cNvSpPr txBox="1"/>
           <p:nvPr>
             <p:ph type="title"/>
@@ -12025,15 +13014,11 @@
         <p:spPr>
           <a:xfrm>
             <a:off x="2186247" y="328613"/>
-            <a:ext cx="9669691" cy="723900"/>
+            <a:ext cx="9669600" cy="723900"/>
           </a:xfrm>
           <a:prstGeom prst="rect">
             <a:avLst/>
           </a:prstGeom>
-          <a:noFill/>
-          <a:ln>
-            <a:noFill/>
-          </a:ln>
         </p:spPr>
         <p:txBody>
           <a:bodyPr anchorCtr="0" anchor="t" bIns="45700" lIns="91425" spcFirstLastPara="1" rIns="91425" wrap="square" tIns="45700">
@@ -12052,63 +13037,32 @@
             </a:pPr>
             <a:r>
               <a:rPr lang="en-US"/>
-              <a:t>Ingress</a:t>
+              <a:t>元件介紹</a:t>
             </a:r>
             <a:endParaRPr/>
           </a:p>
         </p:txBody>
       </p:sp>
-      <p:pic>
-        <p:nvPicPr>
-          <p:cNvPr descr="Diagram&#10;&#10;Description automatically generated" id="94" name="Google Shape;94;p31"/>
-          <p:cNvPicPr preferRelativeResize="0"/>
+      <p:sp>
+        <p:nvSpPr>
+          <p:cNvPr id="94" name="Google Shape;94;g121a7a1b8b7_2_28"/>
+          <p:cNvSpPr txBox="1"/>
           <p:nvPr>
             <p:ph idx="1" type="body"/>
           </p:nvPr>
-        </p:nvPicPr>
-        <p:blipFill rotWithShape="1">
-          <a:blip r:embed="rId3">
-            <a:alphaModFix/>
-          </a:blip>
-          <a:srcRect b="0" l="0" r="0" t="0"/>
-          <a:stretch/>
-        </p:blipFill>
+        </p:nvSpPr>
         <p:spPr>
           <a:xfrm>
-            <a:off x="2327525" y="1782825"/>
-            <a:ext cx="6847500" cy="4419900"/>
+            <a:off x="1195650" y="2932250"/>
+            <a:ext cx="9800700" cy="1182600"/>
           </a:xfrm>
           <a:prstGeom prst="rect">
             <a:avLst/>
           </a:prstGeom>
-          <a:noFill/>
-          <a:ln>
-            <a:noFill/>
-          </a:ln>
-        </p:spPr>
-      </p:pic>
-      <p:sp>
-        <p:nvSpPr>
-          <p:cNvPr id="95" name="Google Shape;95;p31"/>
-          <p:cNvSpPr txBox="1"/>
-          <p:nvPr/>
-        </p:nvSpPr>
-        <p:spPr>
-          <a:xfrm>
-            <a:off x="675400" y="1101450"/>
-            <a:ext cx="5985300" cy="1254900"/>
-          </a:xfrm>
-          <a:prstGeom prst="rect">
-            <a:avLst/>
-          </a:prstGeom>
-          <a:noFill/>
-          <a:ln>
-            <a:noFill/>
-          </a:ln>
         </p:spPr>
         <p:txBody>
-          <a:bodyPr anchorCtr="0" anchor="t" bIns="91425" lIns="91425" spcFirstLastPara="1" rIns="91425" wrap="square" tIns="91425">
-            <a:spAutoFit/>
+          <a:bodyPr anchorCtr="0" anchor="t" bIns="45700" lIns="91425" spcFirstLastPara="1" rIns="91425" wrap="square" tIns="45700">
+            <a:noAutofit/>
           </a:bodyPr>
           <a:lstStyle/>
           <a:p>
@@ -12117,38 +13071,45 @@
                 <a:spcPct val="115000"/>
               </a:lnSpc>
               <a:spcBef>
-                <a:spcPts val="2800"/>
-              </a:spcBef>
-              <a:spcAft>
-                <a:spcPts val="0"/>
-              </a:spcAft>
-              <a:buClr>
-                <a:schemeClr val="dk1"/>
-              </a:buClr>
-              <a:buSzPts val="1100"/>
+                <a:spcPts val="2200"/>
+              </a:spcBef>
+              <a:spcAft>
+                <a:spcPts val="0"/>
+              </a:spcAft>
+              <a:buNone/>
+            </a:pPr>
+            <a:r>
+              <a:rPr lang="en-US" sz="3167"/>
+              <a:t>Ingress、Service、Deployment、ReplicaSet、Pod</a:t>
+            </a:r>
+            <a:endParaRPr sz="4200">
+              <a:solidFill>
+                <a:srgbClr val="0087DC"/>
+              </a:solidFill>
+            </a:endParaRPr>
+          </a:p>
+          <a:p>
+            <a:pPr indent="0" lvl="0" marL="0" rtl="0" algn="l">
+              <a:spcBef>
+                <a:spcPts val="2200"/>
+              </a:spcBef>
+              <a:spcAft>
+                <a:spcPts val="0"/>
+              </a:spcAft>
+              <a:buClr>
+                <a:schemeClr val="dk1"/>
+              </a:buClr>
               <a:buFont typeface="Arial"/>
               <a:buNone/>
             </a:pPr>
             <a:r>
-              <a:rPr lang="en-US"/>
-              <a:t>HTTP 和 HTTPS 路由暴露給集群 內的Service。流量路由 由 Ingress 資源上定義的規則控制。</a:t>
-            </a:r>
-            <a:endParaRPr/>
-          </a:p>
-          <a:p>
-            <a:pPr indent="0" lvl="0" marL="0" rtl="0" algn="l">
-              <a:spcBef>
-                <a:spcPts val="2800"/>
-              </a:spcBef>
-              <a:spcAft>
-                <a:spcPts val="0"/>
-              </a:spcAft>
-              <a:buNone/>
-            </a:pPr>
-            <a:r>
               <a:t/>
             </a:r>
-            <a:endParaRPr/>
+            <a:endParaRPr sz="3200">
+              <a:solidFill>
+                <a:srgbClr val="0087DC"/>
+              </a:solidFill>
+            </a:endParaRPr>
           </a:p>
         </p:txBody>
       </p:sp>
@@ -12179,7 +13140,7 @@
       </p:grpSpPr>
       <p:sp>
         <p:nvSpPr>
-          <p:cNvPr id="100" name="Google Shape;100;p28"/>
+          <p:cNvPr id="100" name="Google Shape;100;p31"/>
           <p:cNvSpPr txBox="1"/>
           <p:nvPr>
             <p:ph type="title"/>
@@ -12215,7 +13176,7 @@
             </a:pPr>
             <a:r>
               <a:rPr lang="en-US"/>
-              <a:t>Service</a:t>
+              <a:t>Ingress</a:t>
             </a:r>
             <a:endParaRPr/>
           </a:p>
@@ -12223,7 +13184,7 @@
       </p:sp>
       <p:pic>
         <p:nvPicPr>
-          <p:cNvPr descr="Diagram&#10;&#10;Description automatically generated" id="101" name="Google Shape;101;p28"/>
+          <p:cNvPr descr="Diagram&#10;&#10;Description automatically generated" id="101" name="Google Shape;101;p31"/>
           <p:cNvPicPr preferRelativeResize="0"/>
           <p:nvPr>
             <p:ph idx="1" type="body"/>
@@ -12238,8 +13199,8 @@
         </p:blipFill>
         <p:spPr>
           <a:xfrm>
-            <a:off x="2639274" y="1983724"/>
-            <a:ext cx="6631500" cy="4256400"/>
+            <a:off x="2327525" y="1782825"/>
+            <a:ext cx="6847500" cy="4419900"/>
           </a:xfrm>
           <a:prstGeom prst="rect">
             <a:avLst/>
@@ -12252,13 +13213,13 @@
       </p:pic>
       <p:sp>
         <p:nvSpPr>
-          <p:cNvPr id="102" name="Google Shape;102;p28"/>
+          <p:cNvPr id="102" name="Google Shape;102;p31"/>
           <p:cNvSpPr txBox="1"/>
           <p:nvPr/>
         </p:nvSpPr>
         <p:spPr>
           <a:xfrm>
-            <a:off x="1122225" y="1052525"/>
+            <a:off x="675400" y="1101450"/>
             <a:ext cx="5985300" cy="1254900"/>
           </a:xfrm>
           <a:prstGeom prst="rect">
@@ -12294,7 +13255,7 @@
             </a:pPr>
             <a:r>
               <a:rPr lang="en-US"/>
-              <a:t>Service: Kubernetes 為 Pod 提供了自己的 IP 地址和一組 Pod 的單個 DNS 名稱，並且可以在它們之間進行負載平衡作為網絡服務</a:t>
+              <a:t>HTTP 和 HTTPS 路由暴露給集群 內的Service。流量路由 由 Ingress 資源上定義的規則控制。</a:t>
             </a:r>
             <a:endParaRPr/>
           </a:p>
@@ -12342,7 +13303,170 @@
       </p:grpSpPr>
       <p:sp>
         <p:nvSpPr>
-          <p:cNvPr id="107" name="Google Shape;107;p24"/>
+          <p:cNvPr id="107" name="Google Shape;107;p28"/>
+          <p:cNvSpPr txBox="1"/>
+          <p:nvPr>
+            <p:ph type="title"/>
+          </p:nvPr>
+        </p:nvSpPr>
+        <p:spPr>
+          <a:xfrm>
+            <a:off x="2186247" y="328613"/>
+            <a:ext cx="9669691" cy="723900"/>
+          </a:xfrm>
+          <a:prstGeom prst="rect">
+            <a:avLst/>
+          </a:prstGeom>
+          <a:noFill/>
+          <a:ln>
+            <a:noFill/>
+          </a:ln>
+        </p:spPr>
+        <p:txBody>
+          <a:bodyPr anchorCtr="0" anchor="t" bIns="45700" lIns="91425" spcFirstLastPara="1" rIns="91425" wrap="square" tIns="45700">
+            <a:noAutofit/>
+          </a:bodyPr>
+          <a:lstStyle/>
+          <a:p>
+            <a:pPr indent="0" lvl="0" marL="0" rtl="0" algn="l">
+              <a:spcBef>
+                <a:spcPts val="0"/>
+              </a:spcBef>
+              <a:spcAft>
+                <a:spcPts val="0"/>
+              </a:spcAft>
+              <a:buNone/>
+            </a:pPr>
+            <a:r>
+              <a:rPr lang="en-US"/>
+              <a:t>Service</a:t>
+            </a:r>
+            <a:endParaRPr/>
+          </a:p>
+        </p:txBody>
+      </p:sp>
+      <p:pic>
+        <p:nvPicPr>
+          <p:cNvPr descr="Diagram&#10;&#10;Description automatically generated" id="108" name="Google Shape;108;p28"/>
+          <p:cNvPicPr preferRelativeResize="0"/>
+          <p:nvPr>
+            <p:ph idx="1" type="body"/>
+          </p:nvPr>
+        </p:nvPicPr>
+        <p:blipFill rotWithShape="1">
+          <a:blip r:embed="rId3">
+            <a:alphaModFix/>
+          </a:blip>
+          <a:srcRect b="0" l="0" r="0" t="0"/>
+          <a:stretch/>
+        </p:blipFill>
+        <p:spPr>
+          <a:xfrm>
+            <a:off x="2639274" y="1983724"/>
+            <a:ext cx="6631500" cy="4256400"/>
+          </a:xfrm>
+          <a:prstGeom prst="rect">
+            <a:avLst/>
+          </a:prstGeom>
+          <a:noFill/>
+          <a:ln>
+            <a:noFill/>
+          </a:ln>
+        </p:spPr>
+      </p:pic>
+      <p:sp>
+        <p:nvSpPr>
+          <p:cNvPr id="109" name="Google Shape;109;p28"/>
+          <p:cNvSpPr txBox="1"/>
+          <p:nvPr/>
+        </p:nvSpPr>
+        <p:spPr>
+          <a:xfrm>
+            <a:off x="1122225" y="1052525"/>
+            <a:ext cx="5985300" cy="1254900"/>
+          </a:xfrm>
+          <a:prstGeom prst="rect">
+            <a:avLst/>
+          </a:prstGeom>
+          <a:noFill/>
+          <a:ln>
+            <a:noFill/>
+          </a:ln>
+        </p:spPr>
+        <p:txBody>
+          <a:bodyPr anchorCtr="0" anchor="t" bIns="91425" lIns="91425" spcFirstLastPara="1" rIns="91425" wrap="square" tIns="91425">
+            <a:spAutoFit/>
+          </a:bodyPr>
+          <a:lstStyle/>
+          <a:p>
+            <a:pPr indent="0" lvl="0" marL="0" rtl="0" algn="l">
+              <a:lnSpc>
+                <a:spcPct val="115000"/>
+              </a:lnSpc>
+              <a:spcBef>
+                <a:spcPts val="2800"/>
+              </a:spcBef>
+              <a:spcAft>
+                <a:spcPts val="0"/>
+              </a:spcAft>
+              <a:buClr>
+                <a:schemeClr val="dk1"/>
+              </a:buClr>
+              <a:buSzPts val="1100"/>
+              <a:buFont typeface="Arial"/>
+              <a:buNone/>
+            </a:pPr>
+            <a:r>
+              <a:rPr lang="en-US"/>
+              <a:t>Service: Kubernetes 為 Pod 提供了自己的 IP 地址和一組 Pod 的單個 DNS 名稱，並且可以在它們之間進行負載平衡作為網絡服務</a:t>
+            </a:r>
+            <a:endParaRPr/>
+          </a:p>
+          <a:p>
+            <a:pPr indent="0" lvl="0" marL="0" rtl="0" algn="l">
+              <a:spcBef>
+                <a:spcPts val="2800"/>
+              </a:spcBef>
+              <a:spcAft>
+                <a:spcPts val="0"/>
+              </a:spcAft>
+              <a:buNone/>
+            </a:pPr>
+            <a:r>
+              <a:t/>
+            </a:r>
+            <a:endParaRPr/>
+          </a:p>
+        </p:txBody>
+      </p:sp>
+    </p:spTree>
+  </p:cSld>
+  <p:clrMapOvr>
+    <a:masterClrMapping/>
+  </p:clrMapOvr>
+</p:sld>
+</file>
+
+<file path=ppt/slides/slide9.xml><?xml version="1.0" encoding="utf-8"?>
+<p:sld xmlns:a="http://schemas.openxmlformats.org/drawingml/2006/main" xmlns:r="http://schemas.openxmlformats.org/officeDocument/2006/relationships" xmlns:mc="http://schemas.openxmlformats.org/markup-compatibility/2006" xmlns:mv="urn:schemas-microsoft-com:mac:vml" xmlns:p="http://schemas.openxmlformats.org/presentationml/2006/main" xmlns:c="http://schemas.openxmlformats.org/drawingml/2006/chart" xmlns:dgm="http://schemas.openxmlformats.org/drawingml/2006/diagram" xmlns:o="urn:schemas-microsoft-com:office:office" xmlns:v="urn:schemas-microsoft-com:vml" xmlns:pvml="urn:schemas-microsoft-com:office:powerpoint" xmlns:com="http://schemas.openxmlformats.org/drawingml/2006/compatibility" xmlns:p14="http://schemas.microsoft.com/office/powerpoint/2010/main" xmlns:p15="http://schemas.microsoft.com/office/powerpoint/2012/main" xmlns:ahyp="http://schemas.microsoft.com/office/drawing/2018/hyperlinkcolor">
+  <p:cSld>
+    <p:spTree>
+      <p:nvGrpSpPr>
+        <p:cNvPr id="113" name="Shape 113"/>
+        <p:cNvGrpSpPr/>
+        <p:nvPr/>
+      </p:nvGrpSpPr>
+      <p:grpSpPr>
+        <a:xfrm>
+          <a:off x="0" y="0"/>
+          <a:ext cx="0" cy="0"/>
+          <a:chOff x="0" y="0"/>
+          <a:chExt cx="0" cy="0"/>
+        </a:xfrm>
+      </p:grpSpPr>
+      <p:sp>
+        <p:nvSpPr>
+          <p:cNvPr id="114" name="Google Shape;114;p24"/>
           <p:cNvSpPr txBox="1"/>
           <p:nvPr>
             <p:ph type="title"/>
@@ -12401,7 +13525,7 @@
       </p:sp>
       <p:sp>
         <p:nvSpPr>
-          <p:cNvPr id="108" name="Google Shape;108;p24"/>
+          <p:cNvPr id="115" name="Google Shape;115;p24"/>
           <p:cNvSpPr txBox="1"/>
           <p:nvPr>
             <p:ph idx="1" type="body"/>
@@ -12484,7 +13608,7 @@
       </p:sp>
       <p:pic>
         <p:nvPicPr>
-          <p:cNvPr id="109" name="Google Shape;109;p24"/>
+          <p:cNvPr id="116" name="Google Shape;116;p24"/>
           <p:cNvPicPr preferRelativeResize="0"/>
           <p:nvPr/>
         </p:nvPicPr>
@@ -12511,7 +13635,7 @@
       </p:pic>
       <p:sp>
         <p:nvSpPr>
-          <p:cNvPr id="110" name="Google Shape;110;p24"/>
+          <p:cNvPr id="117" name="Google Shape;117;p24"/>
           <p:cNvSpPr/>
           <p:nvPr/>
         </p:nvSpPr>
@@ -12562,7 +13686,7 @@
       </p:sp>
       <p:pic>
         <p:nvPicPr>
-          <p:cNvPr id="111" name="Google Shape;111;p24"/>
+          <p:cNvPr id="118" name="Google Shape;118;p24"/>
           <p:cNvPicPr preferRelativeResize="0"/>
           <p:nvPr/>
         </p:nvPicPr>
@@ -12587,736 +13711,6 @@
           </a:ln>
         </p:spPr>
       </p:pic>
-    </p:spTree>
-  </p:cSld>
-  <p:clrMapOvr>
-    <a:masterClrMapping/>
-  </p:clrMapOvr>
-</p:sld>
-</file>
-
-<file path=ppt/slides/slide9.xml><?xml version="1.0" encoding="utf-8"?>
-<p:sld xmlns:a="http://schemas.openxmlformats.org/drawingml/2006/main" xmlns:r="http://schemas.openxmlformats.org/officeDocument/2006/relationships" xmlns:mc="http://schemas.openxmlformats.org/markup-compatibility/2006" xmlns:mv="urn:schemas-microsoft-com:mac:vml" xmlns:p="http://schemas.openxmlformats.org/presentationml/2006/main" xmlns:c="http://schemas.openxmlformats.org/drawingml/2006/chart" xmlns:dgm="http://schemas.openxmlformats.org/drawingml/2006/diagram" xmlns:o="urn:schemas-microsoft-com:office:office" xmlns:v="urn:schemas-microsoft-com:vml" xmlns:pvml="urn:schemas-microsoft-com:office:powerpoint" xmlns:com="http://schemas.openxmlformats.org/drawingml/2006/compatibility" xmlns:p14="http://schemas.microsoft.com/office/powerpoint/2010/main" xmlns:p15="http://schemas.microsoft.com/office/powerpoint/2012/main" xmlns:ahyp="http://schemas.microsoft.com/office/drawing/2018/hyperlinkcolor">
-  <p:cSld>
-    <p:spTree>
-      <p:nvGrpSpPr>
-        <p:cNvPr id="115" name="Shape 115"/>
-        <p:cNvGrpSpPr/>
-        <p:nvPr/>
-      </p:nvGrpSpPr>
-      <p:grpSpPr>
-        <a:xfrm>
-          <a:off x="0" y="0"/>
-          <a:ext cx="0" cy="0"/>
-          <a:chOff x="0" y="0"/>
-          <a:chExt cx="0" cy="0"/>
-        </a:xfrm>
-      </p:grpSpPr>
-      <p:sp>
-        <p:nvSpPr>
-          <p:cNvPr id="116" name="Google Shape;116;p17"/>
-          <p:cNvSpPr txBox="1"/>
-          <p:nvPr>
-            <p:ph type="title"/>
-          </p:nvPr>
-        </p:nvSpPr>
-        <p:spPr>
-          <a:xfrm>
-            <a:off x="2186247" y="328613"/>
-            <a:ext cx="9669691" cy="723900"/>
-          </a:xfrm>
-          <a:prstGeom prst="rect">
-            <a:avLst/>
-          </a:prstGeom>
-          <a:noFill/>
-          <a:ln>
-            <a:noFill/>
-          </a:ln>
-        </p:spPr>
-        <p:txBody>
-          <a:bodyPr anchorCtr="0" anchor="t" bIns="45700" lIns="91425" spcFirstLastPara="1" rIns="91425" wrap="square" tIns="45700">
-            <a:noAutofit/>
-          </a:bodyPr>
-          <a:lstStyle/>
-          <a:p>
-            <a:pPr indent="0" lvl="0" marL="0" rtl="0" algn="l">
-              <a:spcBef>
-                <a:spcPts val="0"/>
-              </a:spcBef>
-              <a:spcAft>
-                <a:spcPts val="0"/>
-              </a:spcAft>
-              <a:buNone/>
-            </a:pPr>
-            <a:r>
-              <a:rPr lang="en-US"/>
-              <a:t>Pod</a:t>
-            </a:r>
-            <a:endParaRPr/>
-          </a:p>
-        </p:txBody>
-      </p:sp>
-      <p:pic>
-        <p:nvPicPr>
-          <p:cNvPr descr="Graphical user interface, application&#10;&#10;Description automatically generated" id="117" name="Google Shape;117;p17"/>
-          <p:cNvPicPr preferRelativeResize="0"/>
-          <p:nvPr>
-            <p:ph idx="1" type="body"/>
-          </p:nvPr>
-        </p:nvPicPr>
-        <p:blipFill rotWithShape="1">
-          <a:blip r:embed="rId3">
-            <a:alphaModFix/>
-          </a:blip>
-          <a:srcRect b="0" l="0" r="0" t="0"/>
-          <a:stretch/>
-        </p:blipFill>
-        <p:spPr>
-          <a:xfrm>
-            <a:off x="2065574" y="2848510"/>
-            <a:ext cx="9605078" cy="4517159"/>
-          </a:xfrm>
-          <a:prstGeom prst="rect">
-            <a:avLst/>
-          </a:prstGeom>
-          <a:noFill/>
-          <a:ln>
-            <a:noFill/>
-          </a:ln>
-        </p:spPr>
-      </p:pic>
-      <p:sp>
-        <p:nvSpPr>
-          <p:cNvPr id="118" name="Google Shape;118;p17"/>
-          <p:cNvSpPr txBox="1"/>
-          <p:nvPr/>
-        </p:nvSpPr>
-        <p:spPr>
-          <a:xfrm>
-            <a:off x="816316" y="1309276"/>
-            <a:ext cx="8306577" cy="2616101"/>
-          </a:xfrm>
-          <a:prstGeom prst="rect">
-            <a:avLst/>
-          </a:prstGeom>
-          <a:noFill/>
-          <a:ln>
-            <a:noFill/>
-          </a:ln>
-        </p:spPr>
-        <p:txBody>
-          <a:bodyPr anchorCtr="0" anchor="t" bIns="45700" lIns="91425" spcFirstLastPara="1" rIns="91425" wrap="square" tIns="45700">
-            <a:spAutoFit/>
-          </a:bodyPr>
-          <a:lstStyle/>
-          <a:p>
-            <a:pPr indent="-285750" lvl="0" marL="285750" marR="0" rtl="0" algn="l">
-              <a:spcBef>
-                <a:spcPts val="0"/>
-              </a:spcBef>
-              <a:spcAft>
-                <a:spcPts val="0"/>
-              </a:spcAft>
-              <a:buClr>
-                <a:srgbClr val="003399"/>
-              </a:buClr>
-              <a:buSzPts val="1600"/>
-              <a:buFont typeface="Arial"/>
-              <a:buChar char="•"/>
-            </a:pPr>
-            <a:r>
-              <a:rPr b="1" lang="en-US" sz="1600">
-                <a:solidFill>
-                  <a:srgbClr val="003399"/>
-                </a:solidFill>
-                <a:latin typeface="Calibri"/>
-                <a:ea typeface="Calibri"/>
-                <a:cs typeface="Calibri"/>
-                <a:sym typeface="Calibri"/>
-              </a:rPr>
-              <a:t>Smallest unit that can be deployed in Kubernetes</a:t>
-            </a:r>
-            <a:endParaRPr/>
-          </a:p>
-          <a:p>
-            <a:pPr indent="-184150" lvl="0" marL="285750" marR="0" rtl="0" algn="l">
-              <a:spcBef>
-                <a:spcPts val="0"/>
-              </a:spcBef>
-              <a:spcAft>
-                <a:spcPts val="0"/>
-              </a:spcAft>
-              <a:buClr>
-                <a:srgbClr val="003399"/>
-              </a:buClr>
-              <a:buSzPts val="1600"/>
-              <a:buFont typeface="Arial"/>
-              <a:buNone/>
-            </a:pPr>
-            <a:r>
-              <a:t/>
-            </a:r>
-            <a:endParaRPr b="1" sz="1600">
-              <a:solidFill>
-                <a:srgbClr val="003399"/>
-              </a:solidFill>
-              <a:latin typeface="Calibri"/>
-              <a:ea typeface="Calibri"/>
-              <a:cs typeface="Calibri"/>
-              <a:sym typeface="Calibri"/>
-            </a:endParaRPr>
-          </a:p>
-          <a:p>
-            <a:pPr indent="-285750" lvl="0" marL="285750" marR="0" rtl="0" algn="l">
-              <a:spcBef>
-                <a:spcPts val="0"/>
-              </a:spcBef>
-              <a:spcAft>
-                <a:spcPts val="0"/>
-              </a:spcAft>
-              <a:buClr>
-                <a:srgbClr val="003399"/>
-              </a:buClr>
-              <a:buSzPts val="1600"/>
-              <a:buFont typeface="Arial"/>
-              <a:buChar char="•"/>
-            </a:pPr>
-            <a:r>
-              <a:rPr b="1" lang="en-US" sz="1600">
-                <a:solidFill>
-                  <a:srgbClr val="003399"/>
-                </a:solidFill>
-                <a:latin typeface="Calibri"/>
-                <a:ea typeface="Calibri"/>
-                <a:cs typeface="Calibri"/>
-                <a:sym typeface="Calibri"/>
-              </a:rPr>
-              <a:t>Consist of one or more containers that are always scheduled together</a:t>
-            </a:r>
-            <a:endParaRPr/>
-          </a:p>
-          <a:p>
-            <a:pPr indent="-285750" lvl="1" marL="742950" marR="0" rtl="0" algn="l">
-              <a:spcBef>
-                <a:spcPts val="0"/>
-              </a:spcBef>
-              <a:spcAft>
-                <a:spcPts val="0"/>
-              </a:spcAft>
-              <a:buClr>
-                <a:srgbClr val="003399"/>
-              </a:buClr>
-              <a:buSzPts val="1600"/>
-              <a:buFont typeface="Arial"/>
-              <a:buChar char="•"/>
-            </a:pPr>
-            <a:r>
-              <a:rPr b="1" i="0" lang="en-US" sz="1600" u="none" cap="none" strike="noStrike">
-                <a:solidFill>
-                  <a:srgbClr val="003399"/>
-                </a:solidFill>
-                <a:latin typeface="Calibri"/>
-                <a:ea typeface="Calibri"/>
-                <a:cs typeface="Calibri"/>
-                <a:sym typeface="Calibri"/>
-              </a:rPr>
-              <a:t>Pods typically contain only a single container</a:t>
-            </a:r>
-            <a:endParaRPr/>
-          </a:p>
-          <a:p>
-            <a:pPr indent="-184150" lvl="0" marL="285750" marR="0" rtl="0" algn="l">
-              <a:spcBef>
-                <a:spcPts val="0"/>
-              </a:spcBef>
-              <a:spcAft>
-                <a:spcPts val="0"/>
-              </a:spcAft>
-              <a:buClr>
-                <a:srgbClr val="003399"/>
-              </a:buClr>
-              <a:buSzPts val="1600"/>
-              <a:buFont typeface="Arial"/>
-              <a:buNone/>
-            </a:pPr>
-            <a:r>
-              <a:t/>
-            </a:r>
-            <a:endParaRPr b="1" sz="1600">
-              <a:solidFill>
-                <a:srgbClr val="003399"/>
-              </a:solidFill>
-              <a:latin typeface="Calibri"/>
-              <a:ea typeface="Calibri"/>
-              <a:cs typeface="Calibri"/>
-              <a:sym typeface="Calibri"/>
-            </a:endParaRPr>
-          </a:p>
-          <a:p>
-            <a:pPr indent="-285750" lvl="0" marL="285750" marR="0" rtl="0" algn="l">
-              <a:spcBef>
-                <a:spcPts val="0"/>
-              </a:spcBef>
-              <a:spcAft>
-                <a:spcPts val="0"/>
-              </a:spcAft>
-              <a:buClr>
-                <a:srgbClr val="003399"/>
-              </a:buClr>
-              <a:buSzPts val="1600"/>
-              <a:buFont typeface="Arial"/>
-              <a:buChar char="•"/>
-            </a:pPr>
-            <a:r>
-              <a:rPr b="1" lang="en-US" sz="1600">
-                <a:solidFill>
-                  <a:srgbClr val="003399"/>
-                </a:solidFill>
-                <a:latin typeface="Calibri"/>
-                <a:ea typeface="Calibri"/>
-                <a:cs typeface="Calibri"/>
-                <a:sym typeface="Calibri"/>
-              </a:rPr>
-              <a:t>Each pod is given a unique IP address</a:t>
-            </a:r>
-            <a:endParaRPr/>
-          </a:p>
-          <a:p>
-            <a:pPr indent="-184150" lvl="0" marL="285750" marR="0" rtl="0" algn="l">
-              <a:spcBef>
-                <a:spcPts val="0"/>
-              </a:spcBef>
-              <a:spcAft>
-                <a:spcPts val="0"/>
-              </a:spcAft>
-              <a:buClr>
-                <a:srgbClr val="003399"/>
-              </a:buClr>
-              <a:buSzPts val="1600"/>
-              <a:buFont typeface="Arial"/>
-              <a:buNone/>
-            </a:pPr>
-            <a:r>
-              <a:t/>
-            </a:r>
-            <a:endParaRPr b="1" sz="1600">
-              <a:solidFill>
-                <a:srgbClr val="003399"/>
-              </a:solidFill>
-              <a:latin typeface="Calibri"/>
-              <a:ea typeface="Calibri"/>
-              <a:cs typeface="Calibri"/>
-              <a:sym typeface="Calibri"/>
-            </a:endParaRPr>
-          </a:p>
-          <a:p>
-            <a:pPr indent="-285750" lvl="0" marL="285750" marR="0" rtl="0" algn="l">
-              <a:spcBef>
-                <a:spcPts val="0"/>
-              </a:spcBef>
-              <a:spcAft>
-                <a:spcPts val="0"/>
-              </a:spcAft>
-              <a:buClr>
-                <a:srgbClr val="003399"/>
-              </a:buClr>
-              <a:buSzPts val="1600"/>
-              <a:buFont typeface="Arial"/>
-              <a:buChar char="•"/>
-            </a:pPr>
-            <a:r>
-              <a:rPr b="1" lang="en-US" sz="1600">
-                <a:solidFill>
-                  <a:srgbClr val="003399"/>
-                </a:solidFill>
-                <a:latin typeface="Calibri"/>
-                <a:ea typeface="Calibri"/>
-                <a:cs typeface="Calibri"/>
-                <a:sym typeface="Calibri"/>
-              </a:rPr>
-              <a:t>Pods share volumes</a:t>
-            </a:r>
-            <a:endParaRPr/>
-          </a:p>
-          <a:p>
-            <a:pPr indent="-184150" lvl="0" marL="285750" marR="0" rtl="0" algn="l">
-              <a:spcBef>
-                <a:spcPts val="0"/>
-              </a:spcBef>
-              <a:spcAft>
-                <a:spcPts val="0"/>
-              </a:spcAft>
-              <a:buClr>
-                <a:srgbClr val="003399"/>
-              </a:buClr>
-              <a:buSzPts val="1600"/>
-              <a:buFont typeface="Arial"/>
-              <a:buNone/>
-            </a:pPr>
-            <a:r>
-              <a:t/>
-            </a:r>
-            <a:endParaRPr b="1" sz="1600">
-              <a:solidFill>
-                <a:srgbClr val="003399"/>
-              </a:solidFill>
-              <a:latin typeface="Calibri"/>
-              <a:ea typeface="Calibri"/>
-              <a:cs typeface="Calibri"/>
-              <a:sym typeface="Calibri"/>
-            </a:endParaRPr>
-          </a:p>
-          <a:p>
-            <a:pPr indent="-285750" lvl="0" marL="285750" marR="0" rtl="0" algn="l">
-              <a:spcBef>
-                <a:spcPts val="0"/>
-              </a:spcBef>
-              <a:spcAft>
-                <a:spcPts val="0"/>
-              </a:spcAft>
-              <a:buClr>
-                <a:srgbClr val="003399"/>
-              </a:buClr>
-              <a:buSzPts val="1600"/>
-              <a:buFont typeface="Arial"/>
-              <a:buChar char="•"/>
-            </a:pPr>
-            <a:r>
-              <a:rPr b="1" lang="en-US" sz="1600">
-                <a:solidFill>
-                  <a:srgbClr val="003399"/>
-                </a:solidFill>
-                <a:latin typeface="Calibri"/>
-                <a:ea typeface="Calibri"/>
-                <a:cs typeface="Calibri"/>
-                <a:sym typeface="Calibri"/>
-              </a:rPr>
-              <a:t>On-disk files in a container are ephemeral</a:t>
-            </a:r>
-            <a:endParaRPr/>
-          </a:p>
-        </p:txBody>
-      </p:sp>
-      <p:sp>
-        <p:nvSpPr>
-          <p:cNvPr id="119" name="Google Shape;119;p17"/>
-          <p:cNvSpPr txBox="1"/>
-          <p:nvPr/>
-        </p:nvSpPr>
-        <p:spPr>
-          <a:xfrm>
-            <a:off x="8605935" y="1039084"/>
-            <a:ext cx="2189584" cy="2062103"/>
-          </a:xfrm>
-          <a:prstGeom prst="rect">
-            <a:avLst/>
-          </a:prstGeom>
-          <a:solidFill>
-            <a:schemeClr val="dk1"/>
-          </a:solidFill>
-          <a:ln>
-            <a:noFill/>
-          </a:ln>
-        </p:spPr>
-        <p:txBody>
-          <a:bodyPr anchorCtr="0" anchor="t" bIns="45700" lIns="91425" spcFirstLastPara="1" rIns="91425" wrap="square" tIns="45700">
-            <a:spAutoFit/>
-          </a:bodyPr>
-          <a:lstStyle/>
-          <a:p>
-            <a:pPr indent="0" lvl="0" marL="0" marR="0" rtl="0" algn="l">
-              <a:spcBef>
-                <a:spcPts val="0"/>
-              </a:spcBef>
-              <a:spcAft>
-                <a:spcPts val="0"/>
-              </a:spcAft>
-              <a:buNone/>
-            </a:pPr>
-            <a:r>
-              <a:rPr b="0" lang="en-US" sz="1600">
-                <a:solidFill>
-                  <a:srgbClr val="569CD6"/>
-                </a:solidFill>
-                <a:latin typeface="Consolas"/>
-                <a:ea typeface="Consolas"/>
-                <a:cs typeface="Consolas"/>
-                <a:sym typeface="Consolas"/>
-              </a:rPr>
-              <a:t>apiVersion</a:t>
-            </a:r>
-            <a:r>
-              <a:rPr b="0" lang="en-US" sz="1600">
-                <a:solidFill>
-                  <a:srgbClr val="D4D4D4"/>
-                </a:solidFill>
-                <a:latin typeface="Consolas"/>
-                <a:ea typeface="Consolas"/>
-                <a:cs typeface="Consolas"/>
-                <a:sym typeface="Consolas"/>
-              </a:rPr>
-              <a:t>: </a:t>
-            </a:r>
-            <a:r>
-              <a:rPr b="0" lang="en-US" sz="1600">
-                <a:solidFill>
-                  <a:srgbClr val="CE9178"/>
-                </a:solidFill>
-                <a:latin typeface="Consolas"/>
-                <a:ea typeface="Consolas"/>
-                <a:cs typeface="Consolas"/>
-                <a:sym typeface="Consolas"/>
-              </a:rPr>
-              <a:t>v1</a:t>
-            </a:r>
-            <a:endParaRPr b="0" sz="1600">
-              <a:solidFill>
-                <a:srgbClr val="D4D4D4"/>
-              </a:solidFill>
-              <a:latin typeface="Consolas"/>
-              <a:ea typeface="Consolas"/>
-              <a:cs typeface="Consolas"/>
-              <a:sym typeface="Consolas"/>
-            </a:endParaRPr>
-          </a:p>
-          <a:p>
-            <a:pPr indent="0" lvl="0" marL="0" marR="0" rtl="0" algn="l">
-              <a:spcBef>
-                <a:spcPts val="0"/>
-              </a:spcBef>
-              <a:spcAft>
-                <a:spcPts val="0"/>
-              </a:spcAft>
-              <a:buNone/>
-            </a:pPr>
-            <a:r>
-              <a:rPr b="0" lang="en-US" sz="1600">
-                <a:solidFill>
-                  <a:srgbClr val="569CD6"/>
-                </a:solidFill>
-                <a:latin typeface="Consolas"/>
-                <a:ea typeface="Consolas"/>
-                <a:cs typeface="Consolas"/>
-                <a:sym typeface="Consolas"/>
-              </a:rPr>
-              <a:t>kind</a:t>
-            </a:r>
-            <a:r>
-              <a:rPr b="0" lang="en-US" sz="1600">
-                <a:solidFill>
-                  <a:srgbClr val="D4D4D4"/>
-                </a:solidFill>
-                <a:latin typeface="Consolas"/>
-                <a:ea typeface="Consolas"/>
-                <a:cs typeface="Consolas"/>
-                <a:sym typeface="Consolas"/>
-              </a:rPr>
-              <a:t>: </a:t>
-            </a:r>
-            <a:r>
-              <a:rPr b="0" lang="en-US" sz="1600">
-                <a:solidFill>
-                  <a:srgbClr val="CE9178"/>
-                </a:solidFill>
-                <a:latin typeface="Consolas"/>
-                <a:ea typeface="Consolas"/>
-                <a:cs typeface="Consolas"/>
-                <a:sym typeface="Consolas"/>
-              </a:rPr>
-              <a:t>Pod</a:t>
-            </a:r>
-            <a:endParaRPr b="0" sz="1600">
-              <a:solidFill>
-                <a:srgbClr val="D4D4D4"/>
-              </a:solidFill>
-              <a:latin typeface="Consolas"/>
-              <a:ea typeface="Consolas"/>
-              <a:cs typeface="Consolas"/>
-              <a:sym typeface="Consolas"/>
-            </a:endParaRPr>
-          </a:p>
-          <a:p>
-            <a:pPr indent="0" lvl="0" marL="0" marR="0" rtl="0" algn="l">
-              <a:spcBef>
-                <a:spcPts val="0"/>
-              </a:spcBef>
-              <a:spcAft>
-                <a:spcPts val="0"/>
-              </a:spcAft>
-              <a:buNone/>
-            </a:pPr>
-            <a:r>
-              <a:rPr b="0" lang="en-US" sz="1600">
-                <a:solidFill>
-                  <a:srgbClr val="569CD6"/>
-                </a:solidFill>
-                <a:latin typeface="Consolas"/>
-                <a:ea typeface="Consolas"/>
-                <a:cs typeface="Consolas"/>
-                <a:sym typeface="Consolas"/>
-              </a:rPr>
-              <a:t>metadata</a:t>
-            </a:r>
-            <a:r>
-              <a:rPr b="0" lang="en-US" sz="1600">
-                <a:solidFill>
-                  <a:srgbClr val="D4D4D4"/>
-                </a:solidFill>
-                <a:latin typeface="Consolas"/>
-                <a:ea typeface="Consolas"/>
-                <a:cs typeface="Consolas"/>
-                <a:sym typeface="Consolas"/>
-              </a:rPr>
-              <a:t>:</a:t>
-            </a:r>
-            <a:endParaRPr/>
-          </a:p>
-          <a:p>
-            <a:pPr indent="0" lvl="0" marL="0" marR="0" rtl="0" algn="l">
-              <a:spcBef>
-                <a:spcPts val="0"/>
-              </a:spcBef>
-              <a:spcAft>
-                <a:spcPts val="0"/>
-              </a:spcAft>
-              <a:buNone/>
-            </a:pPr>
-            <a:r>
-              <a:rPr b="0" lang="en-US" sz="1600">
-                <a:solidFill>
-                  <a:schemeClr val="lt1"/>
-                </a:solidFill>
-                <a:latin typeface="Consolas"/>
-                <a:ea typeface="Consolas"/>
-                <a:cs typeface="Consolas"/>
-                <a:sym typeface="Consolas"/>
-              </a:rPr>
-              <a:t>   …</a:t>
-            </a:r>
-            <a:endParaRPr/>
-          </a:p>
-          <a:p>
-            <a:pPr indent="0" lvl="0" marL="0" marR="0" rtl="0" algn="l">
-              <a:spcBef>
-                <a:spcPts val="0"/>
-              </a:spcBef>
-              <a:spcAft>
-                <a:spcPts val="0"/>
-              </a:spcAft>
-              <a:buNone/>
-            </a:pPr>
-            <a:r>
-              <a:rPr b="0" lang="en-US" sz="1600">
-                <a:solidFill>
-                  <a:srgbClr val="569CD6"/>
-                </a:solidFill>
-                <a:latin typeface="Consolas"/>
-                <a:ea typeface="Consolas"/>
-                <a:cs typeface="Consolas"/>
-                <a:sym typeface="Consolas"/>
-              </a:rPr>
-              <a:t>spec</a:t>
-            </a:r>
-            <a:r>
-              <a:rPr b="0" lang="en-US" sz="1600">
-                <a:solidFill>
-                  <a:srgbClr val="D4D4D4"/>
-                </a:solidFill>
-                <a:latin typeface="Consolas"/>
-                <a:ea typeface="Consolas"/>
-                <a:cs typeface="Consolas"/>
-                <a:sym typeface="Consolas"/>
-              </a:rPr>
-              <a:t>:</a:t>
-            </a:r>
-            <a:endParaRPr/>
-          </a:p>
-          <a:p>
-            <a:pPr indent="0" lvl="0" marL="0" marR="0" rtl="0" algn="l">
-              <a:spcBef>
-                <a:spcPts val="0"/>
-              </a:spcBef>
-              <a:spcAft>
-                <a:spcPts val="0"/>
-              </a:spcAft>
-              <a:buNone/>
-            </a:pPr>
-            <a:r>
-              <a:rPr b="1" lang="en-US" sz="1600">
-                <a:solidFill>
-                  <a:schemeClr val="lt1"/>
-                </a:solidFill>
-                <a:latin typeface="Consolas"/>
-                <a:ea typeface="Consolas"/>
-                <a:cs typeface="Consolas"/>
-                <a:sym typeface="Consolas"/>
-              </a:rPr>
-              <a:t>   …</a:t>
-            </a:r>
-            <a:endParaRPr/>
-          </a:p>
-          <a:p>
-            <a:pPr indent="0" lvl="0" marL="0" marR="0" rtl="0" algn="l">
-              <a:spcBef>
-                <a:spcPts val="0"/>
-              </a:spcBef>
-              <a:spcAft>
-                <a:spcPts val="0"/>
-              </a:spcAft>
-              <a:buNone/>
-            </a:pPr>
-            <a:r>
-              <a:rPr b="0" lang="en-US" sz="1600">
-                <a:solidFill>
-                  <a:srgbClr val="569CD6"/>
-                </a:solidFill>
-                <a:latin typeface="Consolas"/>
-                <a:ea typeface="Consolas"/>
-                <a:cs typeface="Consolas"/>
-                <a:sym typeface="Consolas"/>
-              </a:rPr>
-              <a:t>status</a:t>
-            </a:r>
-            <a:r>
-              <a:rPr b="0" lang="en-US" sz="1600">
-                <a:solidFill>
-                  <a:srgbClr val="D4D4D4"/>
-                </a:solidFill>
-                <a:latin typeface="Consolas"/>
-                <a:ea typeface="Consolas"/>
-                <a:cs typeface="Consolas"/>
-                <a:sym typeface="Consolas"/>
-              </a:rPr>
-              <a:t>:</a:t>
-            </a:r>
-            <a:endParaRPr/>
-          </a:p>
-          <a:p>
-            <a:pPr indent="0" lvl="0" marL="0" marR="0" rtl="0" algn="l">
-              <a:spcBef>
-                <a:spcPts val="0"/>
-              </a:spcBef>
-              <a:spcAft>
-                <a:spcPts val="0"/>
-              </a:spcAft>
-              <a:buNone/>
-            </a:pPr>
-            <a:r>
-              <a:rPr b="0" lang="en-US" sz="1600">
-                <a:solidFill>
-                  <a:schemeClr val="lt1"/>
-                </a:solidFill>
-                <a:latin typeface="Consolas"/>
-                <a:ea typeface="Consolas"/>
-                <a:cs typeface="Consolas"/>
-                <a:sym typeface="Consolas"/>
-              </a:rPr>
-              <a:t>   …</a:t>
-            </a:r>
-            <a:endParaRPr/>
-          </a:p>
-        </p:txBody>
-      </p:sp>
     </p:spTree>
   </p:cSld>
   <p:clrMapOvr>

--- a/K8s Exercise workshop.pptx
+++ b/K8s Exercise workshop.pptx
@@ -23,6 +23,7 @@
     <p:sldId id="268" r:id="rId17"/>
     <p:sldId id="269" r:id="rId18"/>
     <p:sldId id="270" r:id="rId19"/>
+    <p:sldId id="271" r:id="rId20"/>
   </p:sldIdLst>
   <p:sldSz cy="6858000" cx="12192000"/>
   <p:notesSz cx="6858000" cy="9144000"/>
@@ -257,7 +258,7 @@
   </p:defaultTextStyle>
   <p:extLst>
     <p:ext uri="http://customooxmlschemas.google.com/">
-      <go:slidesCustomData xmlns:go="http://customooxmlschemas.google.com/" r:id="rId20" roundtripDataSignature="AMtx7mjr+lHkJaNZv5P72GWS7tJ8SYQOdA=="/>
+      <go:slidesCustomData xmlns:go="http://customooxmlschemas.google.com/" r:id="rId21" roundtripDataSignature="AMtx7mh5DuIBZJKXiI59F2NGSFsf7p3uEg=="/>
     </p:ext>
   </p:extLst>
 </p:presentation>
@@ -1648,7 +1649,7 @@
       </p:grpSpPr>
       <p:sp>
         <p:nvSpPr>
-          <p:cNvPr id="128" name="Google Shape;128;g121a7a1b8b7_2_12:notes"/>
+          <p:cNvPr id="128" name="Google Shape;128;g12472069a2f_0_0:notes"/>
           <p:cNvSpPr/>
           <p:nvPr>
             <p:ph idx="2" type="sldImg"/>
@@ -1683,7 +1684,7 @@
       </p:sp>
       <p:sp>
         <p:nvSpPr>
-          <p:cNvPr id="129" name="Google Shape;129;g121a7a1b8b7_2_12:notes"/>
+          <p:cNvPr id="129" name="Google Shape;129;g12472069a2f_0_0:notes"/>
           <p:cNvSpPr txBox="1"/>
           <p:nvPr>
             <p:ph idx="1" type="body"/>
@@ -1722,7 +1723,7 @@
       </p:sp>
       <p:sp>
         <p:nvSpPr>
-          <p:cNvPr id="130" name="Google Shape;130;g121a7a1b8b7_2_12:notes"/>
+          <p:cNvPr id="130" name="Google Shape;130;g12472069a2f_0_0:notes"/>
           <p:cNvSpPr txBox="1"/>
           <p:nvPr>
             <p:ph idx="12" type="sldNum"/>
@@ -1777,7 +1778,7 @@
   <p:cSld>
     <p:spTree>
       <p:nvGrpSpPr>
-        <p:cNvPr id="136" name="Shape 136"/>
+        <p:cNvPr id="134" name="Shape 134"/>
         <p:cNvGrpSpPr/>
         <p:nvPr/>
       </p:nvGrpSpPr>
@@ -1791,7 +1792,7 @@
       </p:grpSpPr>
       <p:sp>
         <p:nvSpPr>
-          <p:cNvPr id="137" name="Google Shape;137;g121a7a1b8b7_2_18:notes"/>
+          <p:cNvPr id="135" name="Google Shape;135;g121a7a1b8b7_2_12:notes"/>
           <p:cNvSpPr/>
           <p:nvPr>
             <p:ph idx="2" type="sldImg"/>
@@ -1826,7 +1827,7 @@
       </p:sp>
       <p:sp>
         <p:nvSpPr>
-          <p:cNvPr id="138" name="Google Shape;138;g121a7a1b8b7_2_18:notes"/>
+          <p:cNvPr id="136" name="Google Shape;136;g121a7a1b8b7_2_12:notes"/>
           <p:cNvSpPr txBox="1"/>
           <p:nvPr>
             <p:ph idx="1" type="body"/>
@@ -1865,7 +1866,7 @@
       </p:sp>
       <p:sp>
         <p:nvSpPr>
-          <p:cNvPr id="139" name="Google Shape;139;g121a7a1b8b7_2_18:notes"/>
+          <p:cNvPr id="137" name="Google Shape;137;g121a7a1b8b7_2_12:notes"/>
           <p:cNvSpPr txBox="1"/>
           <p:nvPr>
             <p:ph idx="12" type="sldNum"/>
@@ -1920,7 +1921,7 @@
   <p:cSld>
     <p:spTree>
       <p:nvGrpSpPr>
-        <p:cNvPr id="144" name="Shape 144"/>
+        <p:cNvPr id="143" name="Shape 143"/>
         <p:cNvGrpSpPr/>
         <p:nvPr/>
       </p:nvGrpSpPr>
@@ -1934,7 +1935,7 @@
       </p:grpSpPr>
       <p:sp>
         <p:nvSpPr>
-          <p:cNvPr id="145" name="Google Shape;145;g121a7a1b8b7_2_46:notes"/>
+          <p:cNvPr id="144" name="Google Shape;144;g121a7a1b8b7_2_18:notes"/>
           <p:cNvSpPr/>
           <p:nvPr>
             <p:ph idx="2" type="sldImg"/>
@@ -1969,7 +1970,7 @@
       </p:sp>
       <p:sp>
         <p:nvSpPr>
-          <p:cNvPr id="146" name="Google Shape;146;g121a7a1b8b7_2_46:notes"/>
+          <p:cNvPr id="145" name="Google Shape;145;g121a7a1b8b7_2_18:notes"/>
           <p:cNvSpPr txBox="1"/>
           <p:nvPr>
             <p:ph idx="1" type="body"/>
@@ -2008,7 +2009,7 @@
       </p:sp>
       <p:sp>
         <p:nvSpPr>
-          <p:cNvPr id="147" name="Google Shape;147;g121a7a1b8b7_2_46:notes"/>
+          <p:cNvPr id="146" name="Google Shape;146;g121a7a1b8b7_2_18:notes"/>
           <p:cNvSpPr txBox="1"/>
           <p:nvPr>
             <p:ph idx="12" type="sldNum"/>
@@ -2063,7 +2064,7 @@
   <p:cSld>
     <p:spTree>
       <p:nvGrpSpPr>
-        <p:cNvPr id="152" name="Shape 152"/>
+        <p:cNvPr id="151" name="Shape 151"/>
         <p:cNvGrpSpPr/>
         <p:nvPr/>
       </p:nvGrpSpPr>
@@ -2077,7 +2078,7 @@
       </p:grpSpPr>
       <p:sp>
         <p:nvSpPr>
-          <p:cNvPr id="153" name="Google Shape;153;g121a7a1b8b7_2_67:notes"/>
+          <p:cNvPr id="152" name="Google Shape;152;g121a7a1b8b7_2_46:notes"/>
           <p:cNvSpPr/>
           <p:nvPr>
             <p:ph idx="2" type="sldImg"/>
@@ -2112,7 +2113,7 @@
       </p:sp>
       <p:sp>
         <p:nvSpPr>
-          <p:cNvPr id="154" name="Google Shape;154;g121a7a1b8b7_2_67:notes"/>
+          <p:cNvPr id="153" name="Google Shape;153;g121a7a1b8b7_2_46:notes"/>
           <p:cNvSpPr txBox="1"/>
           <p:nvPr>
             <p:ph idx="1" type="body"/>
@@ -2151,7 +2152,7 @@
       </p:sp>
       <p:sp>
         <p:nvSpPr>
-          <p:cNvPr id="155" name="Google Shape;155;g121a7a1b8b7_2_67:notes"/>
+          <p:cNvPr id="154" name="Google Shape;154;g121a7a1b8b7_2_46:notes"/>
           <p:cNvSpPr txBox="1"/>
           <p:nvPr>
             <p:ph idx="12" type="sldNum"/>
@@ -2206,7 +2207,7 @@
   <p:cSld>
     <p:spTree>
       <p:nvGrpSpPr>
-        <p:cNvPr id="161" name="Shape 161"/>
+        <p:cNvPr id="159" name="Shape 159"/>
         <p:cNvGrpSpPr/>
         <p:nvPr/>
       </p:nvGrpSpPr>
@@ -2220,7 +2221,150 @@
       </p:grpSpPr>
       <p:sp>
         <p:nvSpPr>
-          <p:cNvPr id="162" name="Google Shape;162;p33:notes"/>
+          <p:cNvPr id="160" name="Google Shape;160;g121a7a1b8b7_2_67:notes"/>
+          <p:cNvSpPr/>
+          <p:nvPr>
+            <p:ph idx="2" type="sldImg"/>
+          </p:nvPr>
+        </p:nvSpPr>
+        <p:spPr>
+          <a:xfrm>
+            <a:off x="685800" y="1143000"/>
+            <a:ext cx="5486400" cy="3086100"/>
+          </a:xfrm>
+          <a:custGeom>
+            <a:rect b="b" l="l" r="r" t="t"/>
+            <a:pathLst>
+              <a:path extrusionOk="0" h="120000" w="120000">
+                <a:moveTo>
+                  <a:pt x="0" y="0"/>
+                </a:moveTo>
+                <a:lnTo>
+                  <a:pt x="120000" y="0"/>
+                </a:lnTo>
+                <a:lnTo>
+                  <a:pt x="120000" y="120000"/>
+                </a:lnTo>
+                <a:lnTo>
+                  <a:pt x="0" y="120000"/>
+                </a:lnTo>
+                <a:close/>
+              </a:path>
+            </a:pathLst>
+          </a:custGeom>
+        </p:spPr>
+      </p:sp>
+      <p:sp>
+        <p:nvSpPr>
+          <p:cNvPr id="161" name="Google Shape;161;g121a7a1b8b7_2_67:notes"/>
+          <p:cNvSpPr txBox="1"/>
+          <p:nvPr>
+            <p:ph idx="1" type="body"/>
+          </p:nvPr>
+        </p:nvSpPr>
+        <p:spPr>
+          <a:xfrm>
+            <a:off x="685800" y="4400550"/>
+            <a:ext cx="5486400" cy="3600600"/>
+          </a:xfrm>
+          <a:prstGeom prst="rect">
+            <a:avLst/>
+          </a:prstGeom>
+        </p:spPr>
+        <p:txBody>
+          <a:bodyPr anchorCtr="0" anchor="t" bIns="45700" lIns="91425" spcFirstLastPara="1" rIns="91425" wrap="square" tIns="45700">
+            <a:noAutofit/>
+          </a:bodyPr>
+          <a:lstStyle/>
+          <a:p>
+            <a:pPr indent="0" lvl="0" marL="0" rtl="0" algn="l">
+              <a:spcBef>
+                <a:spcPts val="0"/>
+              </a:spcBef>
+              <a:spcAft>
+                <a:spcPts val="0"/>
+              </a:spcAft>
+              <a:buNone/>
+            </a:pPr>
+            <a:r>
+              <a:t/>
+            </a:r>
+            <a:endParaRPr/>
+          </a:p>
+        </p:txBody>
+      </p:sp>
+      <p:sp>
+        <p:nvSpPr>
+          <p:cNvPr id="162" name="Google Shape;162;g121a7a1b8b7_2_67:notes"/>
+          <p:cNvSpPr txBox="1"/>
+          <p:nvPr>
+            <p:ph idx="12" type="sldNum"/>
+          </p:nvPr>
+        </p:nvSpPr>
+        <p:spPr>
+          <a:xfrm>
+            <a:off x="3884613" y="8685213"/>
+            <a:ext cx="2971800" cy="458700"/>
+          </a:xfrm>
+          <a:prstGeom prst="rect">
+            <a:avLst/>
+          </a:prstGeom>
+        </p:spPr>
+        <p:txBody>
+          <a:bodyPr anchorCtr="0" anchor="b" bIns="45700" lIns="91425" spcFirstLastPara="1" rIns="91425" wrap="square" tIns="45700">
+            <a:noAutofit/>
+          </a:bodyPr>
+          <a:lstStyle/>
+          <a:p>
+            <a:pPr indent="0" lvl="0" marL="0" rtl="0" algn="r">
+              <a:spcBef>
+                <a:spcPts val="0"/>
+              </a:spcBef>
+              <a:spcAft>
+                <a:spcPts val="0"/>
+              </a:spcAft>
+              <a:buClr>
+                <a:srgbClr val="000000"/>
+              </a:buClr>
+              <a:buFont typeface="Arial"/>
+              <a:buNone/>
+            </a:pPr>
+            <a:fld id="{00000000-1234-1234-1234-123412341234}" type="slidenum">
+              <a:rPr lang="en-US"/>
+              <a:t>‹#›</a:t>
+            </a:fld>
+            <a:endParaRPr/>
+          </a:p>
+        </p:txBody>
+      </p:sp>
+    </p:spTree>
+  </p:cSld>
+  <p:clrMapOvr>
+    <a:masterClrMapping/>
+  </p:clrMapOvr>
+</p:notes>
+</file>
+
+<file path=ppt/notesSlides/notesSlide16.xml><?xml version="1.0" encoding="utf-8"?>
+<p:notes xmlns:a="http://schemas.openxmlformats.org/drawingml/2006/main" xmlns:r="http://schemas.openxmlformats.org/officeDocument/2006/relationships" xmlns:mc="http://schemas.openxmlformats.org/markup-compatibility/2006" xmlns:mv="urn:schemas-microsoft-com:mac:vml" xmlns:p="http://schemas.openxmlformats.org/presentationml/2006/main" xmlns:c="http://schemas.openxmlformats.org/drawingml/2006/chart" xmlns:dgm="http://schemas.openxmlformats.org/drawingml/2006/diagram" xmlns:o="urn:schemas-microsoft-com:office:office" xmlns:v="urn:schemas-microsoft-com:vml" xmlns:pvml="urn:schemas-microsoft-com:office:powerpoint" xmlns:com="http://schemas.openxmlformats.org/drawingml/2006/compatibility" xmlns:p14="http://schemas.microsoft.com/office/powerpoint/2010/main" xmlns:p15="http://schemas.microsoft.com/office/powerpoint/2012/main" xmlns:ahyp="http://schemas.microsoft.com/office/drawing/2018/hyperlinkcolor" showMasterPhAnim="0" showMasterSp="0">
+  <p:cSld>
+    <p:spTree>
+      <p:nvGrpSpPr>
+        <p:cNvPr id="168" name="Shape 168"/>
+        <p:cNvGrpSpPr/>
+        <p:nvPr/>
+      </p:nvGrpSpPr>
+      <p:grpSpPr>
+        <a:xfrm>
+          <a:off x="0" y="0"/>
+          <a:ext cx="0" cy="0"/>
+          <a:chOff x="0" y="0"/>
+          <a:chExt cx="0" cy="0"/>
+        </a:xfrm>
+      </p:grpSpPr>
+      <p:sp>
+        <p:nvSpPr>
+          <p:cNvPr id="169" name="Google Shape;169;p33:notes"/>
           <p:cNvSpPr txBox="1"/>
           <p:nvPr>
             <p:ph idx="1" type="body"/>
@@ -2259,7 +2403,7 @@
       </p:sp>
       <p:sp>
         <p:nvSpPr>
-          <p:cNvPr id="163" name="Google Shape;163;p33:notes"/>
+          <p:cNvPr id="170" name="Google Shape;170;p33:notes"/>
           <p:cNvSpPr/>
           <p:nvPr>
             <p:ph idx="2" type="sldImg"/>
@@ -9621,7 +9765,185 @@
       </p:grpSpPr>
       <p:sp>
         <p:nvSpPr>
-          <p:cNvPr id="132" name="Google Shape;132;g121a7a1b8b7_2_12"/>
+          <p:cNvPr id="132" name="Google Shape;132;g12472069a2f_0_0"/>
+          <p:cNvSpPr txBox="1"/>
+          <p:nvPr>
+            <p:ph type="title"/>
+          </p:nvPr>
+        </p:nvSpPr>
+        <p:spPr>
+          <a:xfrm>
+            <a:off x="2186247" y="328613"/>
+            <a:ext cx="9669600" cy="723900"/>
+          </a:xfrm>
+          <a:prstGeom prst="rect">
+            <a:avLst/>
+          </a:prstGeom>
+        </p:spPr>
+        <p:txBody>
+          <a:bodyPr anchorCtr="0" anchor="t" bIns="45700" lIns="91425" spcFirstLastPara="1" rIns="91425" wrap="square" tIns="45700">
+            <a:noAutofit/>
+          </a:bodyPr>
+          <a:lstStyle/>
+          <a:p>
+            <a:pPr indent="0" lvl="0" marL="0" rtl="0" algn="l">
+              <a:spcBef>
+                <a:spcPts val="0"/>
+              </a:spcBef>
+              <a:spcAft>
+                <a:spcPts val="0"/>
+              </a:spcAft>
+              <a:buNone/>
+            </a:pPr>
+            <a:r>
+              <a:rPr lang="en-US"/>
+              <a:t>workshop </a:t>
+            </a:r>
+            <a:r>
+              <a:rPr lang="en-US"/>
+              <a:t>範例進入前的提醒</a:t>
+            </a:r>
+            <a:endParaRPr/>
+          </a:p>
+        </p:txBody>
+      </p:sp>
+      <p:sp>
+        <p:nvSpPr>
+          <p:cNvPr id="133" name="Google Shape;133;g12472069a2f_0_0"/>
+          <p:cNvSpPr txBox="1"/>
+          <p:nvPr>
+            <p:ph idx="1" type="body"/>
+          </p:nvPr>
+        </p:nvSpPr>
+        <p:spPr>
+          <a:xfrm>
+            <a:off x="423985" y="1196976"/>
+            <a:ext cx="11432100" cy="4968900"/>
+          </a:xfrm>
+          <a:prstGeom prst="rect">
+            <a:avLst/>
+          </a:prstGeom>
+        </p:spPr>
+        <p:txBody>
+          <a:bodyPr anchorCtr="0" anchor="t" bIns="45700" lIns="91425" spcFirstLastPara="1" rIns="91425" wrap="square" tIns="45700">
+            <a:noAutofit/>
+          </a:bodyPr>
+          <a:lstStyle/>
+          <a:p>
+            <a:pPr indent="-342900" lvl="0" marL="457200" rtl="0" algn="l">
+              <a:spcBef>
+                <a:spcPts val="360"/>
+              </a:spcBef>
+              <a:spcAft>
+                <a:spcPts val="0"/>
+              </a:spcAft>
+              <a:buSzPts val="1800"/>
+              <a:buChar char="●"/>
+            </a:pPr>
+            <a:r>
+              <a:rPr lang="en-US"/>
+              <a:t>一共分4個範例</a:t>
+            </a:r>
+            <a:endParaRPr/>
+          </a:p>
+          <a:p>
+            <a:pPr indent="-342900" lvl="0" marL="457200" rtl="0" algn="l">
+              <a:spcBef>
+                <a:spcPts val="0"/>
+              </a:spcBef>
+              <a:spcAft>
+                <a:spcPts val="0"/>
+              </a:spcAft>
+              <a:buSzPts val="1800"/>
+              <a:buChar char="●"/>
+            </a:pPr>
+            <a:r>
+              <a:rPr lang="en-US"/>
+              <a:t>workshop 進行中有任何問題可以直接詢問</a:t>
+            </a:r>
+            <a:endParaRPr/>
+          </a:p>
+          <a:p>
+            <a:pPr indent="-342900" lvl="0" marL="457200" rtl="0" algn="l">
+              <a:spcBef>
+                <a:spcPts val="0"/>
+              </a:spcBef>
+              <a:spcAft>
+                <a:spcPts val="0"/>
+              </a:spcAft>
+              <a:buSzPts val="1800"/>
+              <a:buChar char="●"/>
+            </a:pPr>
+            <a:r>
+              <a:rPr lang="en-US"/>
+              <a:t>等等我會先做說明, 等說明完後再請各位動手</a:t>
+            </a:r>
+            <a:endParaRPr/>
+          </a:p>
+          <a:p>
+            <a:pPr indent="-342900" lvl="0" marL="457200" rtl="0" algn="l">
+              <a:spcBef>
+                <a:spcPts val="0"/>
+              </a:spcBef>
+              <a:spcAft>
+                <a:spcPts val="0"/>
+              </a:spcAft>
+              <a:buSzPts val="1800"/>
+              <a:buChar char="●"/>
+            </a:pPr>
+            <a:r>
+              <a:rPr lang="en-US"/>
+              <a:t>每完成一個範例請在留言上直接打上&lt;+第幾範例&gt;, 例如我完成第二個範例請打 +2 讓我們知道, 如果有問題請打-2 讓我們的助教可以協助您</a:t>
+            </a:r>
+            <a:endParaRPr/>
+          </a:p>
+          <a:p>
+            <a:pPr indent="-342900" lvl="0" marL="457200" rtl="0" algn="l">
+              <a:spcBef>
+                <a:spcPts val="0"/>
+              </a:spcBef>
+              <a:spcAft>
+                <a:spcPts val="0"/>
+              </a:spcAft>
+              <a:buSzPts val="1800"/>
+              <a:buChar char="●"/>
+            </a:pPr>
+            <a:r>
+              <a:rPr lang="en-US"/>
+              <a:t>別一口氣做完全部範例, 等等大家完成後再進行下一個</a:t>
+            </a:r>
+            <a:endParaRPr/>
+          </a:p>
+        </p:txBody>
+      </p:sp>
+    </p:spTree>
+  </p:cSld>
+  <p:clrMapOvr>
+    <a:masterClrMapping/>
+  </p:clrMapOvr>
+</p:sld>
+</file>
+
+<file path=ppt/slides/slide12.xml><?xml version="1.0" encoding="utf-8"?>
+<p:sld xmlns:a="http://schemas.openxmlformats.org/drawingml/2006/main" xmlns:r="http://schemas.openxmlformats.org/officeDocument/2006/relationships" xmlns:mc="http://schemas.openxmlformats.org/markup-compatibility/2006" xmlns:mv="urn:schemas-microsoft-com:mac:vml" xmlns:p="http://schemas.openxmlformats.org/presentationml/2006/main" xmlns:c="http://schemas.openxmlformats.org/drawingml/2006/chart" xmlns:dgm="http://schemas.openxmlformats.org/drawingml/2006/diagram" xmlns:o="urn:schemas-microsoft-com:office:office" xmlns:v="urn:schemas-microsoft-com:vml" xmlns:pvml="urn:schemas-microsoft-com:office:powerpoint" xmlns:com="http://schemas.openxmlformats.org/drawingml/2006/compatibility" xmlns:p14="http://schemas.microsoft.com/office/powerpoint/2010/main" xmlns:p15="http://schemas.microsoft.com/office/powerpoint/2012/main" xmlns:ahyp="http://schemas.microsoft.com/office/drawing/2018/hyperlinkcolor">
+  <p:cSld>
+    <p:spTree>
+      <p:nvGrpSpPr>
+        <p:cNvPr id="138" name="Shape 138"/>
+        <p:cNvGrpSpPr/>
+        <p:nvPr/>
+      </p:nvGrpSpPr>
+      <p:grpSpPr>
+        <a:xfrm>
+          <a:off x="0" y="0"/>
+          <a:ext cx="0" cy="0"/>
+          <a:chOff x="0" y="0"/>
+          <a:chExt cx="0" cy="0"/>
+        </a:xfrm>
+      </p:grpSpPr>
+      <p:sp>
+        <p:nvSpPr>
+          <p:cNvPr id="139" name="Google Shape;139;g121a7a1b8b7_2_12"/>
           <p:cNvSpPr txBox="1"/>
           <p:nvPr>
             <p:ph idx="1" type="body"/>
@@ -9684,7 +10006,7 @@
       </p:sp>
       <p:pic>
         <p:nvPicPr>
-          <p:cNvPr id="133" name="Google Shape;133;g121a7a1b8b7_2_12"/>
+          <p:cNvPr id="140" name="Google Shape;140;g121a7a1b8b7_2_12"/>
           <p:cNvPicPr preferRelativeResize="0"/>
           <p:nvPr/>
         </p:nvPicPr>
@@ -9712,7 +10034,7 @@
       </p:pic>
       <p:pic>
         <p:nvPicPr>
-          <p:cNvPr id="134" name="Google Shape;134;g121a7a1b8b7_2_12"/>
+          <p:cNvPr id="141" name="Google Shape;141;g121a7a1b8b7_2_12"/>
           <p:cNvPicPr preferRelativeResize="0"/>
           <p:nvPr/>
         </p:nvPicPr>
@@ -9740,7 +10062,7 @@
       </p:pic>
       <p:sp>
         <p:nvSpPr>
-          <p:cNvPr id="135" name="Google Shape;135;g121a7a1b8b7_2_12"/>
+          <p:cNvPr id="142" name="Google Shape;142;g121a7a1b8b7_2_12"/>
           <p:cNvSpPr txBox="1"/>
           <p:nvPr>
             <p:ph type="title"/>
@@ -9776,7 +10098,7 @@
             </a:r>
             <a:r>
               <a:rPr lang="en-US"/>
-              <a:t>範例 wordpress</a:t>
+              <a:t>範例一: wordpress</a:t>
             </a:r>
             <a:endParaRPr/>
           </a:p>
@@ -9805,12 +10127,12 @@
 </p:sld>
 </file>
 
-<file path=ppt/slides/slide12.xml><?xml version="1.0" encoding="utf-8"?>
+<file path=ppt/slides/slide13.xml><?xml version="1.0" encoding="utf-8"?>
 <p:sld xmlns:a="http://schemas.openxmlformats.org/drawingml/2006/main" xmlns:r="http://schemas.openxmlformats.org/officeDocument/2006/relationships" xmlns:mc="http://schemas.openxmlformats.org/markup-compatibility/2006" xmlns:mv="urn:schemas-microsoft-com:mac:vml" xmlns:p="http://schemas.openxmlformats.org/presentationml/2006/main" xmlns:c="http://schemas.openxmlformats.org/drawingml/2006/chart" xmlns:dgm="http://schemas.openxmlformats.org/drawingml/2006/diagram" xmlns:o="urn:schemas-microsoft-com:office:office" xmlns:v="urn:schemas-microsoft-com:vml" xmlns:pvml="urn:schemas-microsoft-com:office:powerpoint" xmlns:com="http://schemas.openxmlformats.org/drawingml/2006/compatibility" xmlns:p14="http://schemas.microsoft.com/office/powerpoint/2010/main" xmlns:p15="http://schemas.microsoft.com/office/powerpoint/2012/main" xmlns:ahyp="http://schemas.microsoft.com/office/drawing/2018/hyperlinkcolor">
   <p:cSld>
     <p:spTree>
       <p:nvGrpSpPr>
-        <p:cNvPr id="140" name="Shape 140"/>
+        <p:cNvPr id="147" name="Shape 147"/>
         <p:cNvGrpSpPr/>
         <p:nvPr/>
       </p:nvGrpSpPr>
@@ -9824,7 +10146,7 @@
       </p:grpSpPr>
       <p:sp>
         <p:nvSpPr>
-          <p:cNvPr id="141" name="Google Shape;141;g121a7a1b8b7_2_18"/>
+          <p:cNvPr id="148" name="Google Shape;148;g121a7a1b8b7_2_18"/>
           <p:cNvSpPr txBox="1"/>
           <p:nvPr>
             <p:ph type="title"/>
@@ -9859,7 +10181,7 @@
             </a:pPr>
             <a:r>
               <a:rPr lang="en-US"/>
-              <a:t>UI Tools octant</a:t>
+              <a:t>範例二: UI Tools octant</a:t>
             </a:r>
             <a:endParaRPr/>
           </a:p>
@@ -9905,7 +10227,7 @@
       </p:sp>
       <p:sp>
         <p:nvSpPr>
-          <p:cNvPr id="142" name="Google Shape;142;g121a7a1b8b7_2_18"/>
+          <p:cNvPr id="149" name="Google Shape;149;g121a7a1b8b7_2_18"/>
           <p:cNvSpPr txBox="1"/>
           <p:nvPr>
             <p:ph idx="1" type="body"/>
@@ -10361,7 +10683,7 @@
       </p:sp>
       <p:sp>
         <p:nvSpPr>
-          <p:cNvPr id="143" name="Google Shape;143;g121a7a1b8b7_2_18"/>
+          <p:cNvPr id="150" name="Google Shape;150;g121a7a1b8b7_2_18"/>
           <p:cNvSpPr txBox="1"/>
           <p:nvPr/>
         </p:nvSpPr>
@@ -10409,12 +10731,12 @@
 </p:sld>
 </file>
 
-<file path=ppt/slides/slide13.xml><?xml version="1.0" encoding="utf-8"?>
+<file path=ppt/slides/slide14.xml><?xml version="1.0" encoding="utf-8"?>
 <p:sld xmlns:a="http://schemas.openxmlformats.org/drawingml/2006/main" xmlns:r="http://schemas.openxmlformats.org/officeDocument/2006/relationships" xmlns:mc="http://schemas.openxmlformats.org/markup-compatibility/2006" xmlns:mv="urn:schemas-microsoft-com:mac:vml" xmlns:p="http://schemas.openxmlformats.org/presentationml/2006/main" xmlns:c="http://schemas.openxmlformats.org/drawingml/2006/chart" xmlns:dgm="http://schemas.openxmlformats.org/drawingml/2006/diagram" xmlns:o="urn:schemas-microsoft-com:office:office" xmlns:v="urn:schemas-microsoft-com:vml" xmlns:pvml="urn:schemas-microsoft-com:office:powerpoint" xmlns:com="http://schemas.openxmlformats.org/drawingml/2006/compatibility" xmlns:p14="http://schemas.microsoft.com/office/powerpoint/2010/main" xmlns:p15="http://schemas.microsoft.com/office/powerpoint/2012/main" xmlns:ahyp="http://schemas.microsoft.com/office/drawing/2018/hyperlinkcolor">
   <p:cSld>
     <p:spTree>
       <p:nvGrpSpPr>
-        <p:cNvPr id="148" name="Shape 148"/>
+        <p:cNvPr id="155" name="Shape 155"/>
         <p:cNvGrpSpPr/>
         <p:nvPr/>
       </p:nvGrpSpPr>
@@ -10428,7 +10750,7 @@
       </p:grpSpPr>
       <p:sp>
         <p:nvSpPr>
-          <p:cNvPr id="149" name="Google Shape;149;g121a7a1b8b7_2_46"/>
+          <p:cNvPr id="156" name="Google Shape;156;g121a7a1b8b7_2_46"/>
           <p:cNvSpPr txBox="1"/>
           <p:nvPr>
             <p:ph type="title"/>
@@ -10468,7 +10790,7 @@
             </a:pPr>
             <a:r>
               <a:rPr lang="en-US"/>
-              <a:t>Kubernetes Deployment Builder</a:t>
+              <a:t>範例三: 範例三: Kubernetes Deployment Builder</a:t>
             </a:r>
             <a:endParaRPr/>
           </a:p>
@@ -10491,7 +10813,7 @@
       </p:sp>
       <p:sp>
         <p:nvSpPr>
-          <p:cNvPr id="150" name="Google Shape;150;g121a7a1b8b7_2_46"/>
+          <p:cNvPr id="157" name="Google Shape;157;g121a7a1b8b7_2_46"/>
           <p:cNvSpPr txBox="1"/>
           <p:nvPr>
             <p:ph idx="1" type="body"/>
@@ -10914,7 +11236,7 @@
       </p:sp>
       <p:pic>
         <p:nvPicPr>
-          <p:cNvPr id="151" name="Google Shape;151;g121a7a1b8b7_2_46"/>
+          <p:cNvPr id="158" name="Google Shape;158;g121a7a1b8b7_2_46"/>
           <p:cNvPicPr preferRelativeResize="0"/>
           <p:nvPr/>
         </p:nvPicPr>
@@ -10948,12 +11270,12 @@
 </p:sld>
 </file>
 
-<file path=ppt/slides/slide14.xml><?xml version="1.0" encoding="utf-8"?>
+<file path=ppt/slides/slide15.xml><?xml version="1.0" encoding="utf-8"?>
 <p:sld xmlns:a="http://schemas.openxmlformats.org/drawingml/2006/main" xmlns:r="http://schemas.openxmlformats.org/officeDocument/2006/relationships" xmlns:mc="http://schemas.openxmlformats.org/markup-compatibility/2006" xmlns:mv="urn:schemas-microsoft-com:mac:vml" xmlns:p="http://schemas.openxmlformats.org/presentationml/2006/main" xmlns:c="http://schemas.openxmlformats.org/drawingml/2006/chart" xmlns:dgm="http://schemas.openxmlformats.org/drawingml/2006/diagram" xmlns:o="urn:schemas-microsoft-com:office:office" xmlns:v="urn:schemas-microsoft-com:vml" xmlns:pvml="urn:schemas-microsoft-com:office:powerpoint" xmlns:com="http://schemas.openxmlformats.org/drawingml/2006/compatibility" xmlns:p14="http://schemas.microsoft.com/office/powerpoint/2010/main" xmlns:p15="http://schemas.microsoft.com/office/powerpoint/2012/main" xmlns:ahyp="http://schemas.microsoft.com/office/drawing/2018/hyperlinkcolor">
   <p:cSld>
     <p:spTree>
       <p:nvGrpSpPr>
-        <p:cNvPr id="156" name="Shape 156"/>
+        <p:cNvPr id="163" name="Shape 163"/>
         <p:cNvGrpSpPr/>
         <p:nvPr/>
       </p:nvGrpSpPr>
@@ -10967,7 +11289,7 @@
       </p:grpSpPr>
       <p:sp>
         <p:nvSpPr>
-          <p:cNvPr id="157" name="Google Shape;157;g121a7a1b8b7_2_67"/>
+          <p:cNvPr id="164" name="Google Shape;164;g121a7a1b8b7_2_67"/>
           <p:cNvSpPr txBox="1"/>
           <p:nvPr>
             <p:ph type="title"/>
@@ -11007,7 +11329,7 @@
             </a:pPr>
             <a:r>
               <a:rPr lang="en-US"/>
-              <a:t>OOM killer (</a:t>
+              <a:t>範例四: OOM killer (</a:t>
             </a:r>
             <a:r>
               <a:rPr lang="en-US" sz="4150">
@@ -11046,7 +11368,7 @@
       </p:sp>
       <p:sp>
         <p:nvSpPr>
-          <p:cNvPr id="158" name="Google Shape;158;g121a7a1b8b7_2_67"/>
+          <p:cNvPr id="165" name="Google Shape;165;g121a7a1b8b7_2_67"/>
           <p:cNvSpPr txBox="1"/>
           <p:nvPr>
             <p:ph idx="1" type="body"/>
@@ -11352,7 +11674,7 @@
       </p:sp>
       <p:sp>
         <p:nvSpPr>
-          <p:cNvPr id="159" name="Google Shape;159;g121a7a1b8b7_2_67"/>
+          <p:cNvPr id="166" name="Google Shape;166;g121a7a1b8b7_2_67"/>
           <p:cNvSpPr txBox="1"/>
           <p:nvPr/>
         </p:nvSpPr>
@@ -11398,7 +11720,7 @@
       </p:sp>
       <p:sp>
         <p:nvSpPr>
-          <p:cNvPr id="160" name="Google Shape;160;g121a7a1b8b7_2_67"/>
+          <p:cNvPr id="167" name="Google Shape;167;g121a7a1b8b7_2_67"/>
           <p:cNvSpPr txBox="1"/>
           <p:nvPr/>
         </p:nvSpPr>
@@ -11643,12 +11965,12 @@
 </p:sld>
 </file>
 
-<file path=ppt/slides/slide15.xml><?xml version="1.0" encoding="utf-8"?>
+<file path=ppt/slides/slide16.xml><?xml version="1.0" encoding="utf-8"?>
 <p:sld xmlns:a="http://schemas.openxmlformats.org/drawingml/2006/main" xmlns:r="http://schemas.openxmlformats.org/officeDocument/2006/relationships" xmlns:mc="http://schemas.openxmlformats.org/markup-compatibility/2006" xmlns:mv="urn:schemas-microsoft-com:mac:vml" xmlns:p="http://schemas.openxmlformats.org/presentationml/2006/main" xmlns:c="http://schemas.openxmlformats.org/drawingml/2006/chart" xmlns:dgm="http://schemas.openxmlformats.org/drawingml/2006/diagram" xmlns:o="urn:schemas-microsoft-com:office:office" xmlns:v="urn:schemas-microsoft-com:vml" xmlns:pvml="urn:schemas-microsoft-com:office:powerpoint" xmlns:com="http://schemas.openxmlformats.org/drawingml/2006/compatibility" xmlns:p14="http://schemas.microsoft.com/office/powerpoint/2010/main" xmlns:p15="http://schemas.microsoft.com/office/powerpoint/2012/main" xmlns:ahyp="http://schemas.microsoft.com/office/drawing/2018/hyperlinkcolor">
   <p:cSld>
     <p:spTree>
       <p:nvGrpSpPr>
-        <p:cNvPr id="164" name="Shape 164"/>
+        <p:cNvPr id="171" name="Shape 171"/>
         <p:cNvGrpSpPr/>
         <p:nvPr/>
       </p:nvGrpSpPr>
@@ -11662,7 +11984,7 @@
       </p:grpSpPr>
       <p:sp>
         <p:nvSpPr>
-          <p:cNvPr id="165" name="Google Shape;165;p33"/>
+          <p:cNvPr id="172" name="Google Shape;172;p33"/>
           <p:cNvSpPr txBox="1"/>
           <p:nvPr>
             <p:ph type="title"/>
@@ -11706,7 +12028,7 @@
       </p:sp>
       <p:sp>
         <p:nvSpPr>
-          <p:cNvPr id="166" name="Google Shape;166;p33"/>
+          <p:cNvPr id="173" name="Google Shape;173;p33"/>
           <p:cNvSpPr txBox="1"/>
           <p:nvPr>
             <p:ph idx="1" type="body"/>
@@ -12889,7 +13211,7 @@
                 </a:solidFill>
                 <a:hlinkClick r:id="rId3"/>
               </a:rPr>
-              <a:t>https://github.com/harryliu123/daltawwK8sExerciseWorkshop</a:t>
+              <a:t>https://github.com/harryliu123/deltawwK8sExerciseWorkshop</a:t>
             </a:r>
             <a:endParaRPr/>
           </a:p>
@@ -12941,7 +13263,7 @@
                 </a:solidFill>
                 <a:hlinkClick r:id="rId4"/>
               </a:rPr>
-              <a:t>https://reurl.cc/DdWrNe</a:t>
+              <a:t>https://reurl.cc/12nlGW</a:t>
             </a:r>
             <a:endParaRPr/>
           </a:p>
@@ -13720,6 +14042,285 @@
 </file>
 
 <file path=ppt/theme/theme1.xml><?xml version="1.0" encoding="utf-8"?>
+<a:theme xmlns:a="http://schemas.openxmlformats.org/drawingml/2006/main" xmlns:r="http://schemas.openxmlformats.org/officeDocument/2006/relationships" name="6_Office 佈景主題">
+  <a:themeElements>
+    <a:clrScheme name="6_Office 佈景主題 1">
+      <a:dk1>
+        <a:srgbClr val="000000"/>
+      </a:dk1>
+      <a:lt1>
+        <a:srgbClr val="FFFFFF"/>
+      </a:lt1>
+      <a:dk2>
+        <a:srgbClr val="1F497D"/>
+      </a:dk2>
+      <a:lt2>
+        <a:srgbClr val="EEECE1"/>
+      </a:lt2>
+      <a:accent1>
+        <a:srgbClr val="4F81BD"/>
+      </a:accent1>
+      <a:accent2>
+        <a:srgbClr val="C0504D"/>
+      </a:accent2>
+      <a:accent3>
+        <a:srgbClr val="FFFFFF"/>
+      </a:accent3>
+      <a:accent4>
+        <a:srgbClr val="000000"/>
+      </a:accent4>
+      <a:accent5>
+        <a:srgbClr val="B2C1DB"/>
+      </a:accent5>
+      <a:accent6>
+        <a:srgbClr val="AE4845"/>
+      </a:accent6>
+      <a:hlink>
+        <a:srgbClr val="0000FF"/>
+      </a:hlink>
+      <a:folHlink>
+        <a:srgbClr val="800080"/>
+      </a:folHlink>
+    </a:clrScheme>
+    <a:fontScheme name="Office">
+      <a:majorFont>
+        <a:latin typeface="Arial"/>
+        <a:ea typeface=""/>
+        <a:cs typeface=""/>
+        <a:font script="Jpan" typeface="ＭＳ Ｐゴシック"/>
+        <a:font script="Hang" typeface="맑은 고딕"/>
+        <a:font script="Hans" typeface="宋体"/>
+        <a:font script="Hant" typeface="新細明體"/>
+        <a:font script="Arab" typeface="Times New Roman"/>
+        <a:font script="Hebr" typeface="Times New Roman"/>
+        <a:font script="Thai" typeface="Angsana New"/>
+        <a:font script="Ethi" typeface="Nyala"/>
+        <a:font script="Beng" typeface="Vrinda"/>
+        <a:font script="Gujr" typeface="Shruti"/>
+        <a:font script="Khmr" typeface="MoolBoran"/>
+        <a:font script="Knda" typeface="Tunga"/>
+        <a:font script="Guru" typeface="Raavi"/>
+        <a:font script="Cans" typeface="Euphemia"/>
+        <a:font script="Cher" typeface="Plantagenet Cherokee"/>
+        <a:font script="Yiii" typeface="Microsoft Yi Baiti"/>
+        <a:font script="Tibt" typeface="Microsoft Himalaya"/>
+        <a:font script="Thaa" typeface="MV Boli"/>
+        <a:font script="Deva" typeface="Mangal"/>
+        <a:font script="Telu" typeface="Gautami"/>
+        <a:font script="Taml" typeface="Latha"/>
+        <a:font script="Syrc" typeface="Estrangelo Edessa"/>
+        <a:font script="Orya" typeface="Kalinga"/>
+        <a:font script="Mlym" typeface="Kartika"/>
+        <a:font script="Laoo" typeface="DokChampa"/>
+        <a:font script="Sinh" typeface="Iskoola Pota"/>
+        <a:font script="Mong" typeface="Mongolian Baiti"/>
+        <a:font script="Viet" typeface="Times New Roman"/>
+        <a:font script="Uigh" typeface="Microsoft Uighur"/>
+        <a:font script="Geor" typeface="Sylfaen"/>
+      </a:majorFont>
+      <a:minorFont>
+        <a:latin typeface="Arial"/>
+        <a:ea typeface=""/>
+        <a:cs typeface=""/>
+        <a:font script="Jpan" typeface="ＭＳ Ｐゴシック"/>
+        <a:font script="Hang" typeface="맑은 고딕"/>
+        <a:font script="Hans" typeface="宋体"/>
+        <a:font script="Hant" typeface="新細明體"/>
+        <a:font script="Arab" typeface="Arial"/>
+        <a:font script="Hebr" typeface="Arial"/>
+        <a:font script="Thai" typeface="Cordia New"/>
+        <a:font script="Ethi" typeface="Nyala"/>
+        <a:font script="Beng" typeface="Vrinda"/>
+        <a:font script="Gujr" typeface="Shruti"/>
+        <a:font script="Khmr" typeface="DaunPenh"/>
+        <a:font script="Knda" typeface="Tunga"/>
+        <a:font script="Guru" typeface="Raavi"/>
+        <a:font script="Cans" typeface="Euphemia"/>
+        <a:font script="Cher" typeface="Plantagenet Cherokee"/>
+        <a:font script="Yiii" typeface="Microsoft Yi Baiti"/>
+        <a:font script="Tibt" typeface="Microsoft Himalaya"/>
+        <a:font script="Thaa" typeface="MV Boli"/>
+        <a:font script="Deva" typeface="Mangal"/>
+        <a:font script="Telu" typeface="Gautami"/>
+        <a:font script="Taml" typeface="Latha"/>
+        <a:font script="Syrc" typeface="Estrangelo Edessa"/>
+        <a:font script="Orya" typeface="Kalinga"/>
+        <a:font script="Mlym" typeface="Kartika"/>
+        <a:font script="Laoo" typeface="DokChampa"/>
+        <a:font script="Sinh" typeface="Iskoola Pota"/>
+        <a:font script="Mong" typeface="Mongolian Baiti"/>
+        <a:font script="Viet" typeface="Arial"/>
+        <a:font script="Uigh" typeface="Microsoft Uighur"/>
+        <a:font script="Geor" typeface="Sylfaen"/>
+      </a:minorFont>
+    </a:fontScheme>
+    <a:fmtScheme name="Office">
+      <a:fillStyleLst>
+        <a:solidFill>
+          <a:schemeClr val="phClr"/>
+        </a:solidFill>
+        <a:gradFill rotWithShape="1">
+          <a:gsLst>
+            <a:gs pos="0">
+              <a:schemeClr val="phClr">
+                <a:tint val="50000"/>
+                <a:satMod val="300000"/>
+              </a:schemeClr>
+            </a:gs>
+            <a:gs pos="35000">
+              <a:schemeClr val="phClr">
+                <a:tint val="37000"/>
+                <a:satMod val="300000"/>
+              </a:schemeClr>
+            </a:gs>
+            <a:gs pos="100000">
+              <a:schemeClr val="phClr">
+                <a:tint val="15000"/>
+                <a:satMod val="350000"/>
+              </a:schemeClr>
+            </a:gs>
+          </a:gsLst>
+          <a:lin ang="16200000" scaled="1"/>
+        </a:gradFill>
+        <a:gradFill rotWithShape="1">
+          <a:gsLst>
+            <a:gs pos="0">
+              <a:schemeClr val="phClr">
+                <a:tint val="100000"/>
+                <a:shade val="100000"/>
+                <a:satMod val="130000"/>
+              </a:schemeClr>
+            </a:gs>
+            <a:gs pos="100000">
+              <a:schemeClr val="phClr">
+                <a:tint val="50000"/>
+                <a:shade val="100000"/>
+                <a:satMod val="350000"/>
+              </a:schemeClr>
+            </a:gs>
+          </a:gsLst>
+          <a:lin ang="16200000" scaled="0"/>
+        </a:gradFill>
+      </a:fillStyleLst>
+      <a:lnStyleLst>
+        <a:ln w="9525" cap="flat" cmpd="sng" algn="ctr">
+          <a:solidFill>
+            <a:schemeClr val="phClr">
+              <a:shade val="95000"/>
+              <a:satMod val="105000"/>
+            </a:schemeClr>
+          </a:solidFill>
+          <a:prstDash val="solid"/>
+        </a:ln>
+        <a:ln w="25400" cap="flat" cmpd="sng" algn="ctr">
+          <a:solidFill>
+            <a:schemeClr val="phClr"/>
+          </a:solidFill>
+          <a:prstDash val="solid"/>
+        </a:ln>
+        <a:ln w="38100" cap="flat" cmpd="sng" algn="ctr">
+          <a:solidFill>
+            <a:schemeClr val="phClr"/>
+          </a:solidFill>
+          <a:prstDash val="solid"/>
+        </a:ln>
+      </a:lnStyleLst>
+      <a:effectStyleLst>
+        <a:effectStyle>
+          <a:effectLst>
+            <a:outerShdw blurRad="40000" dist="20000" dir="5400000" rotWithShape="0">
+              <a:srgbClr val="000000">
+                <a:alpha val="38000"/>
+              </a:srgbClr>
+            </a:outerShdw>
+          </a:effectLst>
+        </a:effectStyle>
+        <a:effectStyle>
+          <a:effectLst>
+            <a:outerShdw blurRad="40000" dist="23000" dir="5400000" rotWithShape="0">
+              <a:srgbClr val="000000">
+                <a:alpha val="35000"/>
+              </a:srgbClr>
+            </a:outerShdw>
+          </a:effectLst>
+        </a:effectStyle>
+        <a:effectStyle>
+          <a:effectLst>
+            <a:outerShdw blurRad="40000" dist="23000" dir="5400000" rotWithShape="0">
+              <a:srgbClr val="000000">
+                <a:alpha val="35000"/>
+              </a:srgbClr>
+            </a:outerShdw>
+          </a:effectLst>
+          <a:scene3d>
+            <a:camera prst="orthographicFront">
+              <a:rot lat="0" lon="0" rev="0"/>
+            </a:camera>
+            <a:lightRig rig="threePt" dir="t">
+              <a:rot lat="0" lon="0" rev="1200000"/>
+            </a:lightRig>
+          </a:scene3d>
+          <a:sp3d>
+            <a:bevelT w="63500" h="25400"/>
+          </a:sp3d>
+        </a:effectStyle>
+      </a:effectStyleLst>
+      <a:bgFillStyleLst>
+        <a:solidFill>
+          <a:schemeClr val="phClr"/>
+        </a:solidFill>
+        <a:gradFill rotWithShape="1">
+          <a:gsLst>
+            <a:gs pos="0">
+              <a:schemeClr val="phClr">
+                <a:tint val="40000"/>
+                <a:satMod val="350000"/>
+              </a:schemeClr>
+            </a:gs>
+            <a:gs pos="40000">
+              <a:schemeClr val="phClr">
+                <a:tint val="45000"/>
+                <a:shade val="99000"/>
+                <a:satMod val="350000"/>
+              </a:schemeClr>
+            </a:gs>
+            <a:gs pos="100000">
+              <a:schemeClr val="phClr">
+                <a:shade val="20000"/>
+                <a:satMod val="255000"/>
+              </a:schemeClr>
+            </a:gs>
+          </a:gsLst>
+          <a:path path="circle">
+            <a:fillToRect l="50000" t="-80000" r="50000" b="180000"/>
+          </a:path>
+        </a:gradFill>
+        <a:gradFill rotWithShape="1">
+          <a:gsLst>
+            <a:gs pos="0">
+              <a:schemeClr val="phClr">
+                <a:tint val="80000"/>
+                <a:satMod val="300000"/>
+              </a:schemeClr>
+            </a:gs>
+            <a:gs pos="100000">
+              <a:schemeClr val="phClr">
+                <a:shade val="30000"/>
+                <a:satMod val="200000"/>
+              </a:schemeClr>
+            </a:gs>
+          </a:gsLst>
+          <a:path path="circle">
+            <a:fillToRect l="50000" t="50000" r="50000" b="50000"/>
+          </a:path>
+        </a:gradFill>
+      </a:bgFillStyleLst>
+    </a:fmtScheme>
+  </a:themeElements>
+</a:theme>
+</file>
+
+<file path=ppt/theme/theme2.xml><?xml version="1.0" encoding="utf-8"?>
 <a:theme xmlns:a="http://schemas.openxmlformats.org/drawingml/2006/main" xmlns:r="http://schemas.openxmlformats.org/officeDocument/2006/relationships" name="Office Theme">
   <a:themeElements>
     <a:clrScheme name="Office">
@@ -13996,283 +14597,4 @@
     </a:fmtScheme>
   </a:themeElements>
 </a:theme>
-</file>
-
-<file path=ppt/theme/theme2.xml><?xml version="1.0" encoding="utf-8"?>
-<a:theme xmlns:a="http://schemas.openxmlformats.org/drawingml/2006/main" xmlns:r="http://schemas.openxmlformats.org/officeDocument/2006/relationships" name="6_Office 佈景主題">
-  <a:themeElements>
-    <a:clrScheme name="6_Office 佈景主題 1">
-      <a:dk1>
-        <a:srgbClr val="000000"/>
-      </a:dk1>
-      <a:lt1>
-        <a:srgbClr val="FFFFFF"/>
-      </a:lt1>
-      <a:dk2>
-        <a:srgbClr val="1F497D"/>
-      </a:dk2>
-      <a:lt2>
-        <a:srgbClr val="EEECE1"/>
-      </a:lt2>
-      <a:accent1>
-        <a:srgbClr val="4F81BD"/>
-      </a:accent1>
-      <a:accent2>
-        <a:srgbClr val="C0504D"/>
-      </a:accent2>
-      <a:accent3>
-        <a:srgbClr val="FFFFFF"/>
-      </a:accent3>
-      <a:accent4>
-        <a:srgbClr val="000000"/>
-      </a:accent4>
-      <a:accent5>
-        <a:srgbClr val="B2C1DB"/>
-      </a:accent5>
-      <a:accent6>
-        <a:srgbClr val="AE4845"/>
-      </a:accent6>
-      <a:hlink>
-        <a:srgbClr val="0000FF"/>
-      </a:hlink>
-      <a:folHlink>
-        <a:srgbClr val="800080"/>
-      </a:folHlink>
-    </a:clrScheme>
-    <a:fontScheme name="Office">
-      <a:majorFont>
-        <a:latin typeface="Arial"/>
-        <a:ea typeface=""/>
-        <a:cs typeface=""/>
-        <a:font script="Jpan" typeface="ＭＳ Ｐゴシック"/>
-        <a:font script="Hang" typeface="맑은 고딕"/>
-        <a:font script="Hans" typeface="宋体"/>
-        <a:font script="Hant" typeface="新細明體"/>
-        <a:font script="Arab" typeface="Times New Roman"/>
-        <a:font script="Hebr" typeface="Times New Roman"/>
-        <a:font script="Thai" typeface="Angsana New"/>
-        <a:font script="Ethi" typeface="Nyala"/>
-        <a:font script="Beng" typeface="Vrinda"/>
-        <a:font script="Gujr" typeface="Shruti"/>
-        <a:font script="Khmr" typeface="MoolBoran"/>
-        <a:font script="Knda" typeface="Tunga"/>
-        <a:font script="Guru" typeface="Raavi"/>
-        <a:font script="Cans" typeface="Euphemia"/>
-        <a:font script="Cher" typeface="Plantagenet Cherokee"/>
-        <a:font script="Yiii" typeface="Microsoft Yi Baiti"/>
-        <a:font script="Tibt" typeface="Microsoft Himalaya"/>
-        <a:font script="Thaa" typeface="MV Boli"/>
-        <a:font script="Deva" typeface="Mangal"/>
-        <a:font script="Telu" typeface="Gautami"/>
-        <a:font script="Taml" typeface="Latha"/>
-        <a:font script="Syrc" typeface="Estrangelo Edessa"/>
-        <a:font script="Orya" typeface="Kalinga"/>
-        <a:font script="Mlym" typeface="Kartika"/>
-        <a:font script="Laoo" typeface="DokChampa"/>
-        <a:font script="Sinh" typeface="Iskoola Pota"/>
-        <a:font script="Mong" typeface="Mongolian Baiti"/>
-        <a:font script="Viet" typeface="Times New Roman"/>
-        <a:font script="Uigh" typeface="Microsoft Uighur"/>
-        <a:font script="Geor" typeface="Sylfaen"/>
-      </a:majorFont>
-      <a:minorFont>
-        <a:latin typeface="Arial"/>
-        <a:ea typeface=""/>
-        <a:cs typeface=""/>
-        <a:font script="Jpan" typeface="ＭＳ Ｐゴシック"/>
-        <a:font script="Hang" typeface="맑은 고딕"/>
-        <a:font script="Hans" typeface="宋体"/>
-        <a:font script="Hant" typeface="新細明體"/>
-        <a:font script="Arab" typeface="Arial"/>
-        <a:font script="Hebr" typeface="Arial"/>
-        <a:font script="Thai" typeface="Cordia New"/>
-        <a:font script="Ethi" typeface="Nyala"/>
-        <a:font script="Beng" typeface="Vrinda"/>
-        <a:font script="Gujr" typeface="Shruti"/>
-        <a:font script="Khmr" typeface="DaunPenh"/>
-        <a:font script="Knda" typeface="Tunga"/>
-        <a:font script="Guru" typeface="Raavi"/>
-        <a:font script="Cans" typeface="Euphemia"/>
-        <a:font script="Cher" typeface="Plantagenet Cherokee"/>
-        <a:font script="Yiii" typeface="Microsoft Yi Baiti"/>
-        <a:font script="Tibt" typeface="Microsoft Himalaya"/>
-        <a:font script="Thaa" typeface="MV Boli"/>
-        <a:font script="Deva" typeface="Mangal"/>
-        <a:font script="Telu" typeface="Gautami"/>
-        <a:font script="Taml" typeface="Latha"/>
-        <a:font script="Syrc" typeface="Estrangelo Edessa"/>
-        <a:font script="Orya" typeface="Kalinga"/>
-        <a:font script="Mlym" typeface="Kartika"/>
-        <a:font script="Laoo" typeface="DokChampa"/>
-        <a:font script="Sinh" typeface="Iskoola Pota"/>
-        <a:font script="Mong" typeface="Mongolian Baiti"/>
-        <a:font script="Viet" typeface="Arial"/>
-        <a:font script="Uigh" typeface="Microsoft Uighur"/>
-        <a:font script="Geor" typeface="Sylfaen"/>
-      </a:minorFont>
-    </a:fontScheme>
-    <a:fmtScheme name="Office">
-      <a:fillStyleLst>
-        <a:solidFill>
-          <a:schemeClr val="phClr"/>
-        </a:solidFill>
-        <a:gradFill rotWithShape="1">
-          <a:gsLst>
-            <a:gs pos="0">
-              <a:schemeClr val="phClr">
-                <a:tint val="50000"/>
-                <a:satMod val="300000"/>
-              </a:schemeClr>
-            </a:gs>
-            <a:gs pos="35000">
-              <a:schemeClr val="phClr">
-                <a:tint val="37000"/>
-                <a:satMod val="300000"/>
-              </a:schemeClr>
-            </a:gs>
-            <a:gs pos="100000">
-              <a:schemeClr val="phClr">
-                <a:tint val="15000"/>
-                <a:satMod val="350000"/>
-              </a:schemeClr>
-            </a:gs>
-          </a:gsLst>
-          <a:lin ang="16200000" scaled="1"/>
-        </a:gradFill>
-        <a:gradFill rotWithShape="1">
-          <a:gsLst>
-            <a:gs pos="0">
-              <a:schemeClr val="phClr">
-                <a:tint val="100000"/>
-                <a:shade val="100000"/>
-                <a:satMod val="130000"/>
-              </a:schemeClr>
-            </a:gs>
-            <a:gs pos="100000">
-              <a:schemeClr val="phClr">
-                <a:tint val="50000"/>
-                <a:shade val="100000"/>
-                <a:satMod val="350000"/>
-              </a:schemeClr>
-            </a:gs>
-          </a:gsLst>
-          <a:lin ang="16200000" scaled="0"/>
-        </a:gradFill>
-      </a:fillStyleLst>
-      <a:lnStyleLst>
-        <a:ln w="9525" cap="flat" cmpd="sng" algn="ctr">
-          <a:solidFill>
-            <a:schemeClr val="phClr">
-              <a:shade val="95000"/>
-              <a:satMod val="105000"/>
-            </a:schemeClr>
-          </a:solidFill>
-          <a:prstDash val="solid"/>
-        </a:ln>
-        <a:ln w="25400" cap="flat" cmpd="sng" algn="ctr">
-          <a:solidFill>
-            <a:schemeClr val="phClr"/>
-          </a:solidFill>
-          <a:prstDash val="solid"/>
-        </a:ln>
-        <a:ln w="38100" cap="flat" cmpd="sng" algn="ctr">
-          <a:solidFill>
-            <a:schemeClr val="phClr"/>
-          </a:solidFill>
-          <a:prstDash val="solid"/>
-        </a:ln>
-      </a:lnStyleLst>
-      <a:effectStyleLst>
-        <a:effectStyle>
-          <a:effectLst>
-            <a:outerShdw blurRad="40000" dist="20000" dir="5400000" rotWithShape="0">
-              <a:srgbClr val="000000">
-                <a:alpha val="38000"/>
-              </a:srgbClr>
-            </a:outerShdw>
-          </a:effectLst>
-        </a:effectStyle>
-        <a:effectStyle>
-          <a:effectLst>
-            <a:outerShdw blurRad="40000" dist="23000" dir="5400000" rotWithShape="0">
-              <a:srgbClr val="000000">
-                <a:alpha val="35000"/>
-              </a:srgbClr>
-            </a:outerShdw>
-          </a:effectLst>
-        </a:effectStyle>
-        <a:effectStyle>
-          <a:effectLst>
-            <a:outerShdw blurRad="40000" dist="23000" dir="5400000" rotWithShape="0">
-              <a:srgbClr val="000000">
-                <a:alpha val="35000"/>
-              </a:srgbClr>
-            </a:outerShdw>
-          </a:effectLst>
-          <a:scene3d>
-            <a:camera prst="orthographicFront">
-              <a:rot lat="0" lon="0" rev="0"/>
-            </a:camera>
-            <a:lightRig rig="threePt" dir="t">
-              <a:rot lat="0" lon="0" rev="1200000"/>
-            </a:lightRig>
-          </a:scene3d>
-          <a:sp3d>
-            <a:bevelT w="63500" h="25400"/>
-          </a:sp3d>
-        </a:effectStyle>
-      </a:effectStyleLst>
-      <a:bgFillStyleLst>
-        <a:solidFill>
-          <a:schemeClr val="phClr"/>
-        </a:solidFill>
-        <a:gradFill rotWithShape="1">
-          <a:gsLst>
-            <a:gs pos="0">
-              <a:schemeClr val="phClr">
-                <a:tint val="40000"/>
-                <a:satMod val="350000"/>
-              </a:schemeClr>
-            </a:gs>
-            <a:gs pos="40000">
-              <a:schemeClr val="phClr">
-                <a:tint val="45000"/>
-                <a:shade val="99000"/>
-                <a:satMod val="350000"/>
-              </a:schemeClr>
-            </a:gs>
-            <a:gs pos="100000">
-              <a:schemeClr val="phClr">
-                <a:shade val="20000"/>
-                <a:satMod val="255000"/>
-              </a:schemeClr>
-            </a:gs>
-          </a:gsLst>
-          <a:path path="circle">
-            <a:fillToRect l="50000" t="-80000" r="50000" b="180000"/>
-          </a:path>
-        </a:gradFill>
-        <a:gradFill rotWithShape="1">
-          <a:gsLst>
-            <a:gs pos="0">
-              <a:schemeClr val="phClr">
-                <a:tint val="80000"/>
-                <a:satMod val="300000"/>
-              </a:schemeClr>
-            </a:gs>
-            <a:gs pos="100000">
-              <a:schemeClr val="phClr">
-                <a:shade val="30000"/>
-                <a:satMod val="200000"/>
-              </a:schemeClr>
-            </a:gs>
-          </a:gsLst>
-          <a:path path="circle">
-            <a:fillToRect l="50000" t="50000" r="50000" b="50000"/>
-          </a:path>
-        </a:gradFill>
-      </a:bgFillStyleLst>
-    </a:fmtScheme>
-  </a:themeElements>
-</a:theme>
 </file>